--- a/Gradle.pptx
+++ b/Gradle.pptx
@@ -20,6 +20,30 @@
     <p:sldId id="270" r:id="rId14"/>
     <p:sldId id="271" r:id="rId15"/>
     <p:sldId id="272" r:id="rId16"/>
+    <p:sldId id="273" r:id="rId17"/>
+    <p:sldId id="274" r:id="rId18"/>
+    <p:sldId id="275" r:id="rId19"/>
+    <p:sldId id="276" r:id="rId20"/>
+    <p:sldId id="277" r:id="rId21"/>
+    <p:sldId id="278" r:id="rId22"/>
+    <p:sldId id="279" r:id="rId23"/>
+    <p:sldId id="280" r:id="rId24"/>
+    <p:sldId id="281" r:id="rId25"/>
+    <p:sldId id="282" r:id="rId26"/>
+    <p:sldId id="283" r:id="rId27"/>
+    <p:sldId id="284" r:id="rId28"/>
+    <p:sldId id="285" r:id="rId29"/>
+    <p:sldId id="286" r:id="rId30"/>
+    <p:sldId id="287" r:id="rId31"/>
+    <p:sldId id="288" r:id="rId32"/>
+    <p:sldId id="289" r:id="rId33"/>
+    <p:sldId id="290" r:id="rId34"/>
+    <p:sldId id="291" r:id="rId35"/>
+    <p:sldId id="292" r:id="rId36"/>
+    <p:sldId id="293" r:id="rId37"/>
+    <p:sldId id="294" r:id="rId38"/>
+    <p:sldId id="295" r:id="rId39"/>
+    <p:sldId id="296" r:id="rId40"/>
   </p:sldIdLst>
   <p:sldSz cx="12192000" cy="6858000"/>
   <p:notesSz cx="6858000" cy="9144000"/>
@@ -118,6 +142,11 @@
       </a:defRPr>
     </a:lvl9pPr>
   </p:defaultTextStyle>
+  <p:extLst>
+    <p:ext uri="{EFAFB233-063F-42B5-8137-9DF3F51BA10A}">
+      <p15:sldGuideLst xmlns:p15="http://schemas.microsoft.com/office/powerpoint/2012/main"/>
+    </p:ext>
+  </p:extLst>
 </p:presentation>
 </file>
 
@@ -252,7 +281,7 @@
           <a:p>
             <a:fld id="{CD7BE99B-5793-4A6C-9E18-95ED3231E162}" type="datetimeFigureOut">
               <a:rPr lang="en-US" smtClean="0"/>
-              <a:t>2/2/2018</a:t>
+              <a:t>2/4/2018</a:t>
             </a:fld>
             <a:endParaRPr lang="en-US"/>
           </a:p>
@@ -422,7 +451,7 @@
           <a:p>
             <a:fld id="{CD7BE99B-5793-4A6C-9E18-95ED3231E162}" type="datetimeFigureOut">
               <a:rPr lang="en-US" smtClean="0"/>
-              <a:t>2/2/2018</a:t>
+              <a:t>2/4/2018</a:t>
             </a:fld>
             <a:endParaRPr lang="en-US"/>
           </a:p>
@@ -602,7 +631,7 @@
           <a:p>
             <a:fld id="{CD7BE99B-5793-4A6C-9E18-95ED3231E162}" type="datetimeFigureOut">
               <a:rPr lang="en-US" smtClean="0"/>
-              <a:t>2/2/2018</a:t>
+              <a:t>2/4/2018</a:t>
             </a:fld>
             <a:endParaRPr lang="en-US"/>
           </a:p>
@@ -772,7 +801,7 @@
           <a:p>
             <a:fld id="{CD7BE99B-5793-4A6C-9E18-95ED3231E162}" type="datetimeFigureOut">
               <a:rPr lang="en-US" smtClean="0"/>
-              <a:t>2/2/2018</a:t>
+              <a:t>2/4/2018</a:t>
             </a:fld>
             <a:endParaRPr lang="en-US"/>
           </a:p>
@@ -1018,7 +1047,7 @@
           <a:p>
             <a:fld id="{CD7BE99B-5793-4A6C-9E18-95ED3231E162}" type="datetimeFigureOut">
               <a:rPr lang="en-US" smtClean="0"/>
-              <a:t>2/2/2018</a:t>
+              <a:t>2/4/2018</a:t>
             </a:fld>
             <a:endParaRPr lang="en-US"/>
           </a:p>
@@ -1250,7 +1279,7 @@
           <a:p>
             <a:fld id="{CD7BE99B-5793-4A6C-9E18-95ED3231E162}" type="datetimeFigureOut">
               <a:rPr lang="en-US" smtClean="0"/>
-              <a:t>2/2/2018</a:t>
+              <a:t>2/4/2018</a:t>
             </a:fld>
             <a:endParaRPr lang="en-US"/>
           </a:p>
@@ -1617,7 +1646,7 @@
           <a:p>
             <a:fld id="{CD7BE99B-5793-4A6C-9E18-95ED3231E162}" type="datetimeFigureOut">
               <a:rPr lang="en-US" smtClean="0"/>
-              <a:t>2/2/2018</a:t>
+              <a:t>2/4/2018</a:t>
             </a:fld>
             <a:endParaRPr lang="en-US"/>
           </a:p>
@@ -1735,7 +1764,7 @@
           <a:p>
             <a:fld id="{CD7BE99B-5793-4A6C-9E18-95ED3231E162}" type="datetimeFigureOut">
               <a:rPr lang="en-US" smtClean="0"/>
-              <a:t>2/2/2018</a:t>
+              <a:t>2/4/2018</a:t>
             </a:fld>
             <a:endParaRPr lang="en-US"/>
           </a:p>
@@ -1830,7 +1859,7 @@
           <a:p>
             <a:fld id="{CD7BE99B-5793-4A6C-9E18-95ED3231E162}" type="datetimeFigureOut">
               <a:rPr lang="en-US" smtClean="0"/>
-              <a:t>2/2/2018</a:t>
+              <a:t>2/4/2018</a:t>
             </a:fld>
             <a:endParaRPr lang="en-US"/>
           </a:p>
@@ -2107,7 +2136,7 @@
           <a:p>
             <a:fld id="{CD7BE99B-5793-4A6C-9E18-95ED3231E162}" type="datetimeFigureOut">
               <a:rPr lang="en-US" smtClean="0"/>
-              <a:t>2/2/2018</a:t>
+              <a:t>2/4/2018</a:t>
             </a:fld>
             <a:endParaRPr lang="en-US"/>
           </a:p>
@@ -2360,7 +2389,7 @@
           <a:p>
             <a:fld id="{CD7BE99B-5793-4A6C-9E18-95ED3231E162}" type="datetimeFigureOut">
               <a:rPr lang="en-US" smtClean="0"/>
-              <a:t>2/2/2018</a:t>
+              <a:t>2/4/2018</a:t>
             </a:fld>
             <a:endParaRPr lang="en-US"/>
           </a:p>
@@ -2573,7 +2602,7 @@
           <a:p>
             <a:fld id="{CD7BE99B-5793-4A6C-9E18-95ED3231E162}" type="datetimeFigureOut">
               <a:rPr lang="en-US" smtClean="0"/>
-              <a:t>2/2/2018</a:t>
+              <a:t>2/4/2018</a:t>
             </a:fld>
             <a:endParaRPr lang="en-US"/>
           </a:p>
@@ -3699,6 +3728,342 @@
 </p:sld>
 </file>
 
+<file path=ppt/slides/slide16.xml><?xml version="1.0" encoding="utf-8"?>
+<p:sld xmlns:a="http://schemas.openxmlformats.org/drawingml/2006/main" xmlns:r="http://schemas.openxmlformats.org/officeDocument/2006/relationships" xmlns:p="http://schemas.openxmlformats.org/presentationml/2006/main">
+  <p:cSld>
+    <p:spTree>
+      <p:nvGrpSpPr>
+        <p:cNvPr id="1" name=""/>
+        <p:cNvGrpSpPr/>
+        <p:nvPr/>
+      </p:nvGrpSpPr>
+      <p:grpSpPr>
+        <a:xfrm>
+          <a:off x="0" y="0"/>
+          <a:ext cx="0" cy="0"/>
+          <a:chOff x="0" y="0"/>
+          <a:chExt cx="0" cy="0"/>
+        </a:xfrm>
+      </p:grpSpPr>
+      <p:pic>
+        <p:nvPicPr>
+          <p:cNvPr id="2" name="Picture 1"/>
+          <p:cNvPicPr>
+            <a:picLocks noChangeAspect="1"/>
+          </p:cNvPicPr>
+          <p:nvPr/>
+        </p:nvPicPr>
+        <p:blipFill>
+          <a:blip r:embed="rId2"/>
+          <a:stretch>
+            <a:fillRect/>
+          </a:stretch>
+        </p:blipFill>
+        <p:spPr>
+          <a:xfrm>
+            <a:off x="3014624" y="1472399"/>
+            <a:ext cx="3976725" cy="1900641"/>
+          </a:xfrm>
+          <a:prstGeom prst="rect">
+            <a:avLst/>
+          </a:prstGeom>
+        </p:spPr>
+      </p:pic>
+      <p:pic>
+        <p:nvPicPr>
+          <p:cNvPr id="3" name="Picture 2"/>
+          <p:cNvPicPr>
+            <a:picLocks noChangeAspect="1"/>
+          </p:cNvPicPr>
+          <p:nvPr/>
+        </p:nvPicPr>
+        <p:blipFill>
+          <a:blip r:embed="rId3"/>
+          <a:stretch>
+            <a:fillRect/>
+          </a:stretch>
+        </p:blipFill>
+        <p:spPr>
+          <a:xfrm>
+            <a:off x="296249" y="290475"/>
+            <a:ext cx="1238334" cy="471526"/>
+          </a:xfrm>
+          <a:prstGeom prst="rect">
+            <a:avLst/>
+          </a:prstGeom>
+        </p:spPr>
+      </p:pic>
+      <p:pic>
+        <p:nvPicPr>
+          <p:cNvPr id="4" name="Picture 3"/>
+          <p:cNvPicPr>
+            <a:picLocks noChangeAspect="1"/>
+          </p:cNvPicPr>
+          <p:nvPr/>
+        </p:nvPicPr>
+        <p:blipFill>
+          <a:blip r:embed="rId4"/>
+          <a:stretch>
+            <a:fillRect/>
+          </a:stretch>
+        </p:blipFill>
+        <p:spPr>
+          <a:xfrm>
+            <a:off x="3125216" y="4661175"/>
+            <a:ext cx="5009134" cy="719260"/>
+          </a:xfrm>
+          <a:prstGeom prst="rect">
+            <a:avLst/>
+          </a:prstGeom>
+        </p:spPr>
+      </p:pic>
+    </p:spTree>
+    <p:extLst>
+      <p:ext uri="{BB962C8B-B14F-4D97-AF65-F5344CB8AC3E}">
+        <p14:creationId xmlns:p14="http://schemas.microsoft.com/office/powerpoint/2010/main" val="3836917337"/>
+      </p:ext>
+    </p:extLst>
+  </p:cSld>
+  <p:clrMapOvr>
+    <a:masterClrMapping/>
+  </p:clrMapOvr>
+</p:sld>
+</file>
+
+<file path=ppt/slides/slide17.xml><?xml version="1.0" encoding="utf-8"?>
+<p:sld xmlns:a="http://schemas.openxmlformats.org/drawingml/2006/main" xmlns:r="http://schemas.openxmlformats.org/officeDocument/2006/relationships" xmlns:p="http://schemas.openxmlformats.org/presentationml/2006/main">
+  <p:cSld>
+    <p:spTree>
+      <p:nvGrpSpPr>
+        <p:cNvPr id="1" name=""/>
+        <p:cNvGrpSpPr/>
+        <p:nvPr/>
+      </p:nvGrpSpPr>
+      <p:grpSpPr>
+        <a:xfrm>
+          <a:off x="0" y="0"/>
+          <a:ext cx="0" cy="0"/>
+          <a:chOff x="0" y="0"/>
+          <a:chExt cx="0" cy="0"/>
+        </a:xfrm>
+      </p:grpSpPr>
+      <p:pic>
+        <p:nvPicPr>
+          <p:cNvPr id="2" name="Picture 1"/>
+          <p:cNvPicPr>
+            <a:picLocks noChangeAspect="1"/>
+          </p:cNvPicPr>
+          <p:nvPr/>
+        </p:nvPicPr>
+        <p:blipFill>
+          <a:blip r:embed="rId2"/>
+          <a:stretch>
+            <a:fillRect/>
+          </a:stretch>
+        </p:blipFill>
+        <p:spPr>
+          <a:xfrm>
+            <a:off x="2855664" y="756168"/>
+            <a:ext cx="6074976" cy="3328152"/>
+          </a:xfrm>
+          <a:prstGeom prst="rect">
+            <a:avLst/>
+          </a:prstGeom>
+        </p:spPr>
+      </p:pic>
+      <p:pic>
+        <p:nvPicPr>
+          <p:cNvPr id="3" name="Picture 2"/>
+          <p:cNvPicPr>
+            <a:picLocks noChangeAspect="1"/>
+          </p:cNvPicPr>
+          <p:nvPr/>
+        </p:nvPicPr>
+        <p:blipFill>
+          <a:blip r:embed="rId3"/>
+          <a:stretch>
+            <a:fillRect/>
+          </a:stretch>
+        </p:blipFill>
+        <p:spPr>
+          <a:xfrm>
+            <a:off x="3754134" y="5034924"/>
+            <a:ext cx="4106944" cy="395850"/>
+          </a:xfrm>
+          <a:prstGeom prst="rect">
+            <a:avLst/>
+          </a:prstGeom>
+        </p:spPr>
+      </p:pic>
+    </p:spTree>
+    <p:extLst>
+      <p:ext uri="{BB962C8B-B14F-4D97-AF65-F5344CB8AC3E}">
+        <p14:creationId xmlns:p14="http://schemas.microsoft.com/office/powerpoint/2010/main" val="1405339676"/>
+      </p:ext>
+    </p:extLst>
+  </p:cSld>
+  <p:clrMapOvr>
+    <a:masterClrMapping/>
+  </p:clrMapOvr>
+</p:sld>
+</file>
+
+<file path=ppt/slides/slide18.xml><?xml version="1.0" encoding="utf-8"?>
+<p:sld xmlns:a="http://schemas.openxmlformats.org/drawingml/2006/main" xmlns:r="http://schemas.openxmlformats.org/officeDocument/2006/relationships" xmlns:p="http://schemas.openxmlformats.org/presentationml/2006/main">
+  <p:cSld>
+    <p:spTree>
+      <p:nvGrpSpPr>
+        <p:cNvPr id="1" name=""/>
+        <p:cNvGrpSpPr/>
+        <p:nvPr/>
+      </p:nvGrpSpPr>
+      <p:grpSpPr>
+        <a:xfrm>
+          <a:off x="0" y="0"/>
+          <a:ext cx="0" cy="0"/>
+          <a:chOff x="0" y="0"/>
+          <a:chExt cx="0" cy="0"/>
+        </a:xfrm>
+      </p:grpSpPr>
+      <p:pic>
+        <p:nvPicPr>
+          <p:cNvPr id="2" name="Picture 1"/>
+          <p:cNvPicPr>
+            <a:picLocks noChangeAspect="1"/>
+          </p:cNvPicPr>
+          <p:nvPr/>
+        </p:nvPicPr>
+        <p:blipFill>
+          <a:blip r:embed="rId2"/>
+          <a:stretch>
+            <a:fillRect/>
+          </a:stretch>
+        </p:blipFill>
+        <p:spPr>
+          <a:xfrm>
+            <a:off x="3157728" y="910279"/>
+            <a:ext cx="5614416" cy="3048149"/>
+          </a:xfrm>
+          <a:prstGeom prst="rect">
+            <a:avLst/>
+          </a:prstGeom>
+        </p:spPr>
+      </p:pic>
+      <p:pic>
+        <p:nvPicPr>
+          <p:cNvPr id="3" name="Picture 2"/>
+          <p:cNvPicPr>
+            <a:picLocks noChangeAspect="1"/>
+          </p:cNvPicPr>
+          <p:nvPr/>
+        </p:nvPicPr>
+        <p:blipFill>
+          <a:blip r:embed="rId3"/>
+          <a:stretch>
+            <a:fillRect/>
+          </a:stretch>
+        </p:blipFill>
+        <p:spPr>
+          <a:xfrm>
+            <a:off x="3397964" y="4348367"/>
+            <a:ext cx="5133943" cy="605775"/>
+          </a:xfrm>
+          <a:prstGeom prst="rect">
+            <a:avLst/>
+          </a:prstGeom>
+        </p:spPr>
+      </p:pic>
+    </p:spTree>
+    <p:extLst>
+      <p:ext uri="{BB962C8B-B14F-4D97-AF65-F5344CB8AC3E}">
+        <p14:creationId xmlns:p14="http://schemas.microsoft.com/office/powerpoint/2010/main" val="1871096333"/>
+      </p:ext>
+    </p:extLst>
+  </p:cSld>
+  <p:clrMapOvr>
+    <a:masterClrMapping/>
+  </p:clrMapOvr>
+</p:sld>
+</file>
+
+<file path=ppt/slides/slide19.xml><?xml version="1.0" encoding="utf-8"?>
+<p:sld xmlns:a="http://schemas.openxmlformats.org/drawingml/2006/main" xmlns:r="http://schemas.openxmlformats.org/officeDocument/2006/relationships" xmlns:p="http://schemas.openxmlformats.org/presentationml/2006/main">
+  <p:cSld>
+    <p:spTree>
+      <p:nvGrpSpPr>
+        <p:cNvPr id="1" name=""/>
+        <p:cNvGrpSpPr/>
+        <p:nvPr/>
+      </p:nvGrpSpPr>
+      <p:grpSpPr>
+        <a:xfrm>
+          <a:off x="0" y="0"/>
+          <a:ext cx="0" cy="0"/>
+          <a:chOff x="0" y="0"/>
+          <a:chExt cx="0" cy="0"/>
+        </a:xfrm>
+      </p:grpSpPr>
+      <p:pic>
+        <p:nvPicPr>
+          <p:cNvPr id="3" name="Picture 2"/>
+          <p:cNvPicPr>
+            <a:picLocks noChangeAspect="1"/>
+          </p:cNvPicPr>
+          <p:nvPr/>
+        </p:nvPicPr>
+        <p:blipFill>
+          <a:blip r:embed="rId2"/>
+          <a:stretch>
+            <a:fillRect/>
+          </a:stretch>
+        </p:blipFill>
+        <p:spPr>
+          <a:xfrm>
+            <a:off x="1270593" y="2362200"/>
+            <a:ext cx="9650814" cy="2133600"/>
+          </a:xfrm>
+          <a:prstGeom prst="rect">
+            <a:avLst/>
+          </a:prstGeom>
+        </p:spPr>
+      </p:pic>
+      <p:pic>
+        <p:nvPicPr>
+          <p:cNvPr id="4" name="Picture 3"/>
+          <p:cNvPicPr>
+            <a:picLocks noChangeAspect="1"/>
+          </p:cNvPicPr>
+          <p:nvPr/>
+        </p:nvPicPr>
+        <p:blipFill>
+          <a:blip r:embed="rId3"/>
+          <a:stretch>
+            <a:fillRect/>
+          </a:stretch>
+        </p:blipFill>
+        <p:spPr>
+          <a:xfrm>
+            <a:off x="1270593" y="416472"/>
+            <a:ext cx="1371431" cy="381000"/>
+          </a:xfrm>
+          <a:prstGeom prst="rect">
+            <a:avLst/>
+          </a:prstGeom>
+        </p:spPr>
+      </p:pic>
+    </p:spTree>
+    <p:extLst>
+      <p:ext uri="{BB962C8B-B14F-4D97-AF65-F5344CB8AC3E}">
+        <p14:creationId xmlns:p14="http://schemas.microsoft.com/office/powerpoint/2010/main" val="2428052461"/>
+      </p:ext>
+    </p:extLst>
+  </p:cSld>
+  <p:clrMapOvr>
+    <a:masterClrMapping/>
+  </p:clrMapOvr>
+</p:sld>
+</file>
+
 <file path=ppt/slides/slide2.xml><?xml version="1.0" encoding="utf-8"?>
 <p:sld xmlns:a="http://schemas.openxmlformats.org/drawingml/2006/main" xmlns:r="http://schemas.openxmlformats.org/officeDocument/2006/relationships" xmlns:p="http://schemas.openxmlformats.org/presentationml/2006/main">
   <p:cSld>
@@ -3768,6 +4133,906 @@
     <p:extLst>
       <p:ext uri="{BB962C8B-B14F-4D97-AF65-F5344CB8AC3E}">
         <p14:creationId xmlns:p14="http://schemas.microsoft.com/office/powerpoint/2010/main" val="3922887108"/>
+      </p:ext>
+    </p:extLst>
+  </p:cSld>
+  <p:clrMapOvr>
+    <a:masterClrMapping/>
+  </p:clrMapOvr>
+</p:sld>
+</file>
+
+<file path=ppt/slides/slide20.xml><?xml version="1.0" encoding="utf-8"?>
+<p:sld xmlns:a="http://schemas.openxmlformats.org/drawingml/2006/main" xmlns:r="http://schemas.openxmlformats.org/officeDocument/2006/relationships" xmlns:p="http://schemas.openxmlformats.org/presentationml/2006/main">
+  <p:cSld>
+    <p:spTree>
+      <p:nvGrpSpPr>
+        <p:cNvPr id="1" name=""/>
+        <p:cNvGrpSpPr/>
+        <p:nvPr/>
+      </p:nvGrpSpPr>
+      <p:grpSpPr>
+        <a:xfrm>
+          <a:off x="0" y="0"/>
+          <a:ext cx="0" cy="0"/>
+          <a:chOff x="0" y="0"/>
+          <a:chExt cx="0" cy="0"/>
+        </a:xfrm>
+      </p:grpSpPr>
+      <p:pic>
+        <p:nvPicPr>
+          <p:cNvPr id="2" name="Picture 1"/>
+          <p:cNvPicPr>
+            <a:picLocks noChangeAspect="1"/>
+          </p:cNvPicPr>
+          <p:nvPr/>
+        </p:nvPicPr>
+        <p:blipFill>
+          <a:blip r:embed="rId2"/>
+          <a:stretch>
+            <a:fillRect/>
+          </a:stretch>
+        </p:blipFill>
+        <p:spPr>
+          <a:xfrm>
+            <a:off x="533578" y="252029"/>
+            <a:ext cx="2895244" cy="520700"/>
+          </a:xfrm>
+          <a:prstGeom prst="rect">
+            <a:avLst/>
+          </a:prstGeom>
+        </p:spPr>
+      </p:pic>
+      <p:pic>
+        <p:nvPicPr>
+          <p:cNvPr id="3" name="Picture 2"/>
+          <p:cNvPicPr>
+            <a:picLocks noChangeAspect="1"/>
+          </p:cNvPicPr>
+          <p:nvPr/>
+        </p:nvPicPr>
+        <p:blipFill>
+          <a:blip r:embed="rId3"/>
+          <a:stretch>
+            <a:fillRect/>
+          </a:stretch>
+        </p:blipFill>
+        <p:spPr>
+          <a:xfrm>
+            <a:off x="533578" y="1002862"/>
+            <a:ext cx="3606357" cy="406400"/>
+          </a:xfrm>
+          <a:prstGeom prst="rect">
+            <a:avLst/>
+          </a:prstGeom>
+        </p:spPr>
+      </p:pic>
+      <p:pic>
+        <p:nvPicPr>
+          <p:cNvPr id="4" name="Picture 3"/>
+          <p:cNvPicPr>
+            <a:picLocks noChangeAspect="1"/>
+          </p:cNvPicPr>
+          <p:nvPr/>
+        </p:nvPicPr>
+        <p:blipFill>
+          <a:blip r:embed="rId4"/>
+          <a:stretch>
+            <a:fillRect/>
+          </a:stretch>
+        </p:blipFill>
+        <p:spPr>
+          <a:xfrm>
+            <a:off x="533578" y="1842157"/>
+            <a:ext cx="9701607" cy="3898900"/>
+          </a:xfrm>
+          <a:prstGeom prst="rect">
+            <a:avLst/>
+          </a:prstGeom>
+        </p:spPr>
+      </p:pic>
+    </p:spTree>
+    <p:extLst>
+      <p:ext uri="{BB962C8B-B14F-4D97-AF65-F5344CB8AC3E}">
+        <p14:creationId xmlns:p14="http://schemas.microsoft.com/office/powerpoint/2010/main" val="4177552587"/>
+      </p:ext>
+    </p:extLst>
+  </p:cSld>
+  <p:clrMapOvr>
+    <a:masterClrMapping/>
+  </p:clrMapOvr>
+</p:sld>
+</file>
+
+<file path=ppt/slides/slide21.xml><?xml version="1.0" encoding="utf-8"?>
+<p:sld xmlns:a="http://schemas.openxmlformats.org/drawingml/2006/main" xmlns:r="http://schemas.openxmlformats.org/officeDocument/2006/relationships" xmlns:p="http://schemas.openxmlformats.org/presentationml/2006/main">
+  <p:cSld>
+    <p:spTree>
+      <p:nvGrpSpPr>
+        <p:cNvPr id="1" name=""/>
+        <p:cNvGrpSpPr/>
+        <p:nvPr/>
+      </p:nvGrpSpPr>
+      <p:grpSpPr>
+        <a:xfrm>
+          <a:off x="0" y="0"/>
+          <a:ext cx="0" cy="0"/>
+          <a:chOff x="0" y="0"/>
+          <a:chExt cx="0" cy="0"/>
+        </a:xfrm>
+      </p:grpSpPr>
+      <p:pic>
+        <p:nvPicPr>
+          <p:cNvPr id="2" name="Picture 1"/>
+          <p:cNvPicPr>
+            <a:picLocks noChangeAspect="1"/>
+          </p:cNvPicPr>
+          <p:nvPr/>
+        </p:nvPicPr>
+        <p:blipFill>
+          <a:blip r:embed="rId2"/>
+          <a:stretch>
+            <a:fillRect/>
+          </a:stretch>
+        </p:blipFill>
+        <p:spPr>
+          <a:xfrm>
+            <a:off x="220045" y="163348"/>
+            <a:ext cx="3301594" cy="635000"/>
+          </a:xfrm>
+          <a:prstGeom prst="rect">
+            <a:avLst/>
+          </a:prstGeom>
+        </p:spPr>
+      </p:pic>
+      <p:pic>
+        <p:nvPicPr>
+          <p:cNvPr id="3" name="Picture 2"/>
+          <p:cNvPicPr>
+            <a:picLocks noChangeAspect="1"/>
+          </p:cNvPicPr>
+          <p:nvPr/>
+        </p:nvPicPr>
+        <p:blipFill>
+          <a:blip r:embed="rId3"/>
+          <a:stretch>
+            <a:fillRect/>
+          </a:stretch>
+        </p:blipFill>
+        <p:spPr>
+          <a:xfrm>
+            <a:off x="220045" y="1263213"/>
+            <a:ext cx="4723819" cy="1714500"/>
+          </a:xfrm>
+          <a:prstGeom prst="rect">
+            <a:avLst/>
+          </a:prstGeom>
+        </p:spPr>
+      </p:pic>
+      <p:pic>
+        <p:nvPicPr>
+          <p:cNvPr id="4" name="Picture 3"/>
+          <p:cNvPicPr>
+            <a:picLocks noChangeAspect="1"/>
+          </p:cNvPicPr>
+          <p:nvPr/>
+        </p:nvPicPr>
+        <p:blipFill>
+          <a:blip r:embed="rId4"/>
+          <a:stretch>
+            <a:fillRect/>
+          </a:stretch>
+        </p:blipFill>
+        <p:spPr>
+          <a:xfrm>
+            <a:off x="169251" y="3442578"/>
+            <a:ext cx="3403182" cy="787400"/>
+          </a:xfrm>
+          <a:prstGeom prst="rect">
+            <a:avLst/>
+          </a:prstGeom>
+        </p:spPr>
+      </p:pic>
+      <p:pic>
+        <p:nvPicPr>
+          <p:cNvPr id="5" name="Picture 4"/>
+          <p:cNvPicPr>
+            <a:picLocks noChangeAspect="1"/>
+          </p:cNvPicPr>
+          <p:nvPr/>
+        </p:nvPicPr>
+        <p:blipFill>
+          <a:blip r:embed="rId5"/>
+          <a:stretch>
+            <a:fillRect/>
+          </a:stretch>
+        </p:blipFill>
+        <p:spPr>
+          <a:xfrm>
+            <a:off x="169251" y="4536093"/>
+            <a:ext cx="10412720" cy="2171700"/>
+          </a:xfrm>
+          <a:prstGeom prst="rect">
+            <a:avLst/>
+          </a:prstGeom>
+        </p:spPr>
+      </p:pic>
+    </p:spTree>
+    <p:extLst>
+      <p:ext uri="{BB962C8B-B14F-4D97-AF65-F5344CB8AC3E}">
+        <p14:creationId xmlns:p14="http://schemas.microsoft.com/office/powerpoint/2010/main" val="1152583843"/>
+      </p:ext>
+    </p:extLst>
+  </p:cSld>
+  <p:clrMapOvr>
+    <a:masterClrMapping/>
+  </p:clrMapOvr>
+</p:sld>
+</file>
+
+<file path=ppt/slides/slide22.xml><?xml version="1.0" encoding="utf-8"?>
+<p:sld xmlns:a="http://schemas.openxmlformats.org/drawingml/2006/main" xmlns:r="http://schemas.openxmlformats.org/officeDocument/2006/relationships" xmlns:p="http://schemas.openxmlformats.org/presentationml/2006/main">
+  <p:cSld>
+    <p:spTree>
+      <p:nvGrpSpPr>
+        <p:cNvPr id="1" name=""/>
+        <p:cNvGrpSpPr/>
+        <p:nvPr/>
+      </p:nvGrpSpPr>
+      <p:grpSpPr>
+        <a:xfrm>
+          <a:off x="0" y="0"/>
+          <a:ext cx="0" cy="0"/>
+          <a:chOff x="0" y="0"/>
+          <a:chExt cx="0" cy="0"/>
+        </a:xfrm>
+      </p:grpSpPr>
+      <p:pic>
+        <p:nvPicPr>
+          <p:cNvPr id="2" name="Picture 1"/>
+          <p:cNvPicPr>
+            <a:picLocks noChangeAspect="1"/>
+          </p:cNvPicPr>
+          <p:nvPr/>
+        </p:nvPicPr>
+        <p:blipFill>
+          <a:blip r:embed="rId2"/>
+          <a:stretch>
+            <a:fillRect/>
+          </a:stretch>
+        </p:blipFill>
+        <p:spPr>
+          <a:xfrm>
+            <a:off x="566886" y="328010"/>
+            <a:ext cx="3301594" cy="431800"/>
+          </a:xfrm>
+          <a:prstGeom prst="rect">
+            <a:avLst/>
+          </a:prstGeom>
+        </p:spPr>
+      </p:pic>
+      <p:pic>
+        <p:nvPicPr>
+          <p:cNvPr id="3" name="Picture 2"/>
+          <p:cNvPicPr>
+            <a:picLocks noChangeAspect="1"/>
+          </p:cNvPicPr>
+          <p:nvPr/>
+        </p:nvPicPr>
+        <p:blipFill>
+          <a:blip r:embed="rId3"/>
+          <a:stretch>
+            <a:fillRect/>
+          </a:stretch>
+        </p:blipFill>
+        <p:spPr>
+          <a:xfrm>
+            <a:off x="250191" y="1248103"/>
+            <a:ext cx="9295257" cy="1524000"/>
+          </a:xfrm>
+          <a:prstGeom prst="rect">
+            <a:avLst/>
+          </a:prstGeom>
+        </p:spPr>
+      </p:pic>
+      <p:pic>
+        <p:nvPicPr>
+          <p:cNvPr id="4" name="Picture 3"/>
+          <p:cNvPicPr>
+            <a:picLocks noChangeAspect="1"/>
+          </p:cNvPicPr>
+          <p:nvPr/>
+        </p:nvPicPr>
+        <p:blipFill>
+          <a:blip r:embed="rId4"/>
+          <a:stretch>
+            <a:fillRect/>
+          </a:stretch>
+        </p:blipFill>
+        <p:spPr>
+          <a:xfrm>
+            <a:off x="566886" y="3041869"/>
+            <a:ext cx="8482557" cy="711200"/>
+          </a:xfrm>
+          <a:prstGeom prst="rect">
+            <a:avLst/>
+          </a:prstGeom>
+        </p:spPr>
+      </p:pic>
+      <p:pic>
+        <p:nvPicPr>
+          <p:cNvPr id="5" name="Picture 4"/>
+          <p:cNvPicPr>
+            <a:picLocks noChangeAspect="1"/>
+          </p:cNvPicPr>
+          <p:nvPr/>
+        </p:nvPicPr>
+        <p:blipFill>
+          <a:blip r:embed="rId5"/>
+          <a:stretch>
+            <a:fillRect/>
+          </a:stretch>
+        </p:blipFill>
+        <p:spPr>
+          <a:xfrm>
+            <a:off x="566886" y="4149177"/>
+            <a:ext cx="3200007" cy="1460500"/>
+          </a:xfrm>
+          <a:prstGeom prst="rect">
+            <a:avLst/>
+          </a:prstGeom>
+        </p:spPr>
+      </p:pic>
+    </p:spTree>
+    <p:extLst>
+      <p:ext uri="{BB962C8B-B14F-4D97-AF65-F5344CB8AC3E}">
+        <p14:creationId xmlns:p14="http://schemas.microsoft.com/office/powerpoint/2010/main" val="2728589566"/>
+      </p:ext>
+    </p:extLst>
+  </p:cSld>
+  <p:clrMapOvr>
+    <a:masterClrMapping/>
+  </p:clrMapOvr>
+</p:sld>
+</file>
+
+<file path=ppt/slides/slide23.xml><?xml version="1.0" encoding="utf-8"?>
+<p:sld xmlns:a="http://schemas.openxmlformats.org/drawingml/2006/main" xmlns:r="http://schemas.openxmlformats.org/officeDocument/2006/relationships" xmlns:p="http://schemas.openxmlformats.org/presentationml/2006/main">
+  <p:cSld>
+    <p:spTree>
+      <p:nvGrpSpPr>
+        <p:cNvPr id="1" name=""/>
+        <p:cNvGrpSpPr/>
+        <p:nvPr/>
+      </p:nvGrpSpPr>
+      <p:grpSpPr>
+        <a:xfrm>
+          <a:off x="0" y="0"/>
+          <a:ext cx="0" cy="0"/>
+          <a:chOff x="0" y="0"/>
+          <a:chExt cx="0" cy="0"/>
+        </a:xfrm>
+      </p:grpSpPr>
+      <p:pic>
+        <p:nvPicPr>
+          <p:cNvPr id="2" name="Picture 1"/>
+          <p:cNvPicPr>
+            <a:picLocks noChangeAspect="1"/>
+          </p:cNvPicPr>
+          <p:nvPr/>
+        </p:nvPicPr>
+        <p:blipFill>
+          <a:blip r:embed="rId2"/>
+          <a:stretch>
+            <a:fillRect/>
+          </a:stretch>
+        </p:blipFill>
+        <p:spPr>
+          <a:xfrm>
+            <a:off x="290904" y="299545"/>
+            <a:ext cx="1930163" cy="457200"/>
+          </a:xfrm>
+          <a:prstGeom prst="rect">
+            <a:avLst/>
+          </a:prstGeom>
+        </p:spPr>
+      </p:pic>
+      <p:pic>
+        <p:nvPicPr>
+          <p:cNvPr id="3" name="Picture 2"/>
+          <p:cNvPicPr>
+            <a:picLocks noChangeAspect="1"/>
+          </p:cNvPicPr>
+          <p:nvPr/>
+        </p:nvPicPr>
+        <p:blipFill>
+          <a:blip r:embed="rId3"/>
+          <a:stretch>
+            <a:fillRect/>
+          </a:stretch>
+        </p:blipFill>
+        <p:spPr>
+          <a:xfrm>
+            <a:off x="290904" y="1502322"/>
+            <a:ext cx="8380970" cy="952500"/>
+          </a:xfrm>
+          <a:prstGeom prst="rect">
+            <a:avLst/>
+          </a:prstGeom>
+        </p:spPr>
+      </p:pic>
+      <p:pic>
+        <p:nvPicPr>
+          <p:cNvPr id="4" name="Picture 3"/>
+          <p:cNvPicPr>
+            <a:picLocks noChangeAspect="1"/>
+          </p:cNvPicPr>
+          <p:nvPr/>
+        </p:nvPicPr>
+        <p:blipFill>
+          <a:blip r:embed="rId4"/>
+          <a:stretch>
+            <a:fillRect/>
+          </a:stretch>
+        </p:blipFill>
+        <p:spPr>
+          <a:xfrm>
+            <a:off x="290904" y="3563006"/>
+            <a:ext cx="2844450" cy="762000"/>
+          </a:xfrm>
+          <a:prstGeom prst="rect">
+            <a:avLst/>
+          </a:prstGeom>
+        </p:spPr>
+      </p:pic>
+    </p:spTree>
+    <p:extLst>
+      <p:ext uri="{BB962C8B-B14F-4D97-AF65-F5344CB8AC3E}">
+        <p14:creationId xmlns:p14="http://schemas.microsoft.com/office/powerpoint/2010/main" val="1770202071"/>
+      </p:ext>
+    </p:extLst>
+  </p:cSld>
+  <p:clrMapOvr>
+    <a:masterClrMapping/>
+  </p:clrMapOvr>
+</p:sld>
+</file>
+
+<file path=ppt/slides/slide24.xml><?xml version="1.0" encoding="utf-8"?>
+<p:sld xmlns:a="http://schemas.openxmlformats.org/drawingml/2006/main" xmlns:r="http://schemas.openxmlformats.org/officeDocument/2006/relationships" xmlns:p="http://schemas.openxmlformats.org/presentationml/2006/main">
+  <p:cSld>
+    <p:spTree>
+      <p:nvGrpSpPr>
+        <p:cNvPr id="1" name=""/>
+        <p:cNvGrpSpPr/>
+        <p:nvPr/>
+      </p:nvGrpSpPr>
+      <p:grpSpPr>
+        <a:xfrm>
+          <a:off x="0" y="0"/>
+          <a:ext cx="0" cy="0"/>
+          <a:chOff x="0" y="0"/>
+          <a:chExt cx="0" cy="0"/>
+        </a:xfrm>
+      </p:grpSpPr>
+      <p:pic>
+        <p:nvPicPr>
+          <p:cNvPr id="2" name="Picture 1"/>
+          <p:cNvPicPr>
+            <a:picLocks noChangeAspect="1"/>
+          </p:cNvPicPr>
+          <p:nvPr/>
+        </p:nvPicPr>
+        <p:blipFill>
+          <a:blip r:embed="rId2"/>
+          <a:stretch>
+            <a:fillRect/>
+          </a:stretch>
+        </p:blipFill>
+        <p:spPr>
+          <a:xfrm>
+            <a:off x="220101" y="116271"/>
+            <a:ext cx="4215882" cy="571500"/>
+          </a:xfrm>
+          <a:prstGeom prst="rect">
+            <a:avLst/>
+          </a:prstGeom>
+        </p:spPr>
+      </p:pic>
+      <p:pic>
+        <p:nvPicPr>
+          <p:cNvPr id="3" name="Picture 2"/>
+          <p:cNvPicPr>
+            <a:picLocks noChangeAspect="1"/>
+          </p:cNvPicPr>
+          <p:nvPr/>
+        </p:nvPicPr>
+        <p:blipFill>
+          <a:blip r:embed="rId3"/>
+          <a:stretch>
+            <a:fillRect/>
+          </a:stretch>
+        </p:blipFill>
+        <p:spPr>
+          <a:xfrm>
+            <a:off x="889640" y="527049"/>
+            <a:ext cx="10412720" cy="5803901"/>
+          </a:xfrm>
+          <a:prstGeom prst="rect">
+            <a:avLst/>
+          </a:prstGeom>
+        </p:spPr>
+      </p:pic>
+    </p:spTree>
+    <p:extLst>
+      <p:ext uri="{BB962C8B-B14F-4D97-AF65-F5344CB8AC3E}">
+        <p14:creationId xmlns:p14="http://schemas.microsoft.com/office/powerpoint/2010/main" val="3282268619"/>
+      </p:ext>
+    </p:extLst>
+  </p:cSld>
+  <p:clrMapOvr>
+    <a:masterClrMapping/>
+  </p:clrMapOvr>
+</p:sld>
+</file>
+
+<file path=ppt/slides/slide25.xml><?xml version="1.0" encoding="utf-8"?>
+<p:sld xmlns:a="http://schemas.openxmlformats.org/drawingml/2006/main" xmlns:r="http://schemas.openxmlformats.org/officeDocument/2006/relationships" xmlns:p="http://schemas.openxmlformats.org/presentationml/2006/main">
+  <p:cSld>
+    <p:spTree>
+      <p:nvGrpSpPr>
+        <p:cNvPr id="1" name=""/>
+        <p:cNvGrpSpPr/>
+        <p:nvPr/>
+      </p:nvGrpSpPr>
+      <p:grpSpPr>
+        <a:xfrm>
+          <a:off x="0" y="0"/>
+          <a:ext cx="0" cy="0"/>
+          <a:chOff x="0" y="0"/>
+          <a:chExt cx="0" cy="0"/>
+        </a:xfrm>
+      </p:grpSpPr>
+      <p:pic>
+        <p:nvPicPr>
+          <p:cNvPr id="2" name="Picture 1"/>
+          <p:cNvPicPr>
+            <a:picLocks noChangeAspect="1"/>
+          </p:cNvPicPr>
+          <p:nvPr/>
+        </p:nvPicPr>
+        <p:blipFill>
+          <a:blip r:embed="rId2"/>
+          <a:stretch>
+            <a:fillRect/>
+          </a:stretch>
+        </p:blipFill>
+        <p:spPr>
+          <a:xfrm>
+            <a:off x="889640" y="1682750"/>
+            <a:ext cx="10412720" cy="3492500"/>
+          </a:xfrm>
+          <a:prstGeom prst="rect">
+            <a:avLst/>
+          </a:prstGeom>
+        </p:spPr>
+      </p:pic>
+      <p:pic>
+        <p:nvPicPr>
+          <p:cNvPr id="3" name="Picture 2"/>
+          <p:cNvPicPr>
+            <a:picLocks noChangeAspect="1"/>
+          </p:cNvPicPr>
+          <p:nvPr/>
+        </p:nvPicPr>
+        <p:blipFill>
+          <a:blip r:embed="rId3"/>
+          <a:stretch>
+            <a:fillRect/>
+          </a:stretch>
+        </p:blipFill>
+        <p:spPr>
+          <a:xfrm>
+            <a:off x="3548153" y="5425186"/>
+            <a:ext cx="4571438" cy="469900"/>
+          </a:xfrm>
+          <a:prstGeom prst="rect">
+            <a:avLst/>
+          </a:prstGeom>
+        </p:spPr>
+      </p:pic>
+    </p:spTree>
+    <p:extLst>
+      <p:ext uri="{BB962C8B-B14F-4D97-AF65-F5344CB8AC3E}">
+        <p14:creationId xmlns:p14="http://schemas.microsoft.com/office/powerpoint/2010/main" val="404438535"/>
+      </p:ext>
+    </p:extLst>
+  </p:cSld>
+  <p:clrMapOvr>
+    <a:masterClrMapping/>
+  </p:clrMapOvr>
+</p:sld>
+</file>
+
+<file path=ppt/slides/slide26.xml><?xml version="1.0" encoding="utf-8"?>
+<p:sld xmlns:a="http://schemas.openxmlformats.org/drawingml/2006/main" xmlns:r="http://schemas.openxmlformats.org/officeDocument/2006/relationships" xmlns:p="http://schemas.openxmlformats.org/presentationml/2006/main">
+  <p:cSld>
+    <p:spTree>
+      <p:nvGrpSpPr>
+        <p:cNvPr id="1" name=""/>
+        <p:cNvGrpSpPr/>
+        <p:nvPr/>
+      </p:nvGrpSpPr>
+      <p:grpSpPr>
+        <a:xfrm>
+          <a:off x="0" y="0"/>
+          <a:ext cx="0" cy="0"/>
+          <a:chOff x="0" y="0"/>
+          <a:chExt cx="0" cy="0"/>
+        </a:xfrm>
+      </p:grpSpPr>
+      <p:pic>
+        <p:nvPicPr>
+          <p:cNvPr id="2" name="Picture 1"/>
+          <p:cNvPicPr>
+            <a:picLocks noChangeAspect="1"/>
+          </p:cNvPicPr>
+          <p:nvPr/>
+        </p:nvPicPr>
+        <p:blipFill>
+          <a:blip r:embed="rId2"/>
+          <a:stretch>
+            <a:fillRect/>
+          </a:stretch>
+        </p:blipFill>
+        <p:spPr>
+          <a:xfrm>
+            <a:off x="706363" y="327573"/>
+            <a:ext cx="6806363" cy="558800"/>
+          </a:xfrm>
+          <a:prstGeom prst="rect">
+            <a:avLst/>
+          </a:prstGeom>
+        </p:spPr>
+      </p:pic>
+      <p:pic>
+        <p:nvPicPr>
+          <p:cNvPr id="3" name="Picture 2"/>
+          <p:cNvPicPr>
+            <a:picLocks noChangeAspect="1"/>
+          </p:cNvPicPr>
+          <p:nvPr/>
+        </p:nvPicPr>
+        <p:blipFill>
+          <a:blip r:embed="rId3"/>
+          <a:stretch>
+            <a:fillRect/>
+          </a:stretch>
+        </p:blipFill>
+        <p:spPr>
+          <a:xfrm>
+            <a:off x="1045022" y="839469"/>
+            <a:ext cx="9346051" cy="5727701"/>
+          </a:xfrm>
+          <a:prstGeom prst="rect">
+            <a:avLst/>
+          </a:prstGeom>
+        </p:spPr>
+      </p:pic>
+      <p:pic>
+        <p:nvPicPr>
+          <p:cNvPr id="4" name="Picture 3"/>
+          <p:cNvPicPr>
+            <a:picLocks noChangeAspect="1"/>
+          </p:cNvPicPr>
+          <p:nvPr/>
+        </p:nvPicPr>
+        <p:blipFill>
+          <a:blip r:embed="rId4"/>
+          <a:stretch>
+            <a:fillRect/>
+          </a:stretch>
+        </p:blipFill>
+        <p:spPr>
+          <a:xfrm>
+            <a:off x="4115043" y="3219450"/>
+            <a:ext cx="3961913" cy="419100"/>
+          </a:xfrm>
+          <a:prstGeom prst="rect">
+            <a:avLst/>
+          </a:prstGeom>
+        </p:spPr>
+      </p:pic>
+    </p:spTree>
+    <p:extLst>
+      <p:ext uri="{BB962C8B-B14F-4D97-AF65-F5344CB8AC3E}">
+        <p14:creationId xmlns:p14="http://schemas.microsoft.com/office/powerpoint/2010/main" val="4277783458"/>
+      </p:ext>
+    </p:extLst>
+  </p:cSld>
+  <p:clrMapOvr>
+    <a:masterClrMapping/>
+  </p:clrMapOvr>
+</p:sld>
+</file>
+
+<file path=ppt/slides/slide27.xml><?xml version="1.0" encoding="utf-8"?>
+<p:sld xmlns:a="http://schemas.openxmlformats.org/drawingml/2006/main" xmlns:r="http://schemas.openxmlformats.org/officeDocument/2006/relationships" xmlns:p="http://schemas.openxmlformats.org/presentationml/2006/main">
+  <p:cSld>
+    <p:spTree>
+      <p:nvGrpSpPr>
+        <p:cNvPr id="1" name=""/>
+        <p:cNvGrpSpPr/>
+        <p:nvPr/>
+      </p:nvGrpSpPr>
+      <p:grpSpPr>
+        <a:xfrm>
+          <a:off x="0" y="0"/>
+          <a:ext cx="0" cy="0"/>
+          <a:chOff x="0" y="0"/>
+          <a:chExt cx="0" cy="0"/>
+        </a:xfrm>
+      </p:grpSpPr>
+      <p:pic>
+        <p:nvPicPr>
+          <p:cNvPr id="2" name="Picture 1"/>
+          <p:cNvPicPr>
+            <a:picLocks noChangeAspect="1"/>
+          </p:cNvPicPr>
+          <p:nvPr/>
+        </p:nvPicPr>
+        <p:blipFill>
+          <a:blip r:embed="rId2"/>
+          <a:stretch>
+            <a:fillRect/>
+          </a:stretch>
+        </p:blipFill>
+        <p:spPr>
+          <a:xfrm>
+            <a:off x="1245196" y="1485900"/>
+            <a:ext cx="9701607" cy="3886200"/>
+          </a:xfrm>
+          <a:prstGeom prst="rect">
+            <a:avLst/>
+          </a:prstGeom>
+        </p:spPr>
+      </p:pic>
+    </p:spTree>
+    <p:extLst>
+      <p:ext uri="{BB962C8B-B14F-4D97-AF65-F5344CB8AC3E}">
+        <p14:creationId xmlns:p14="http://schemas.microsoft.com/office/powerpoint/2010/main" val="1555558052"/>
+      </p:ext>
+    </p:extLst>
+  </p:cSld>
+  <p:clrMapOvr>
+    <a:masterClrMapping/>
+  </p:clrMapOvr>
+</p:sld>
+</file>
+
+<file path=ppt/slides/slide28.xml><?xml version="1.0" encoding="utf-8"?>
+<p:sld xmlns:a="http://schemas.openxmlformats.org/drawingml/2006/main" xmlns:r="http://schemas.openxmlformats.org/officeDocument/2006/relationships" xmlns:p="http://schemas.openxmlformats.org/presentationml/2006/main">
+  <p:cSld>
+    <p:spTree>
+      <p:nvGrpSpPr>
+        <p:cNvPr id="1" name=""/>
+        <p:cNvGrpSpPr/>
+        <p:nvPr/>
+      </p:nvGrpSpPr>
+      <p:grpSpPr>
+        <a:xfrm>
+          <a:off x="0" y="0"/>
+          <a:ext cx="0" cy="0"/>
+          <a:chOff x="0" y="0"/>
+          <a:chExt cx="0" cy="0"/>
+        </a:xfrm>
+      </p:grpSpPr>
+      <p:pic>
+        <p:nvPicPr>
+          <p:cNvPr id="2" name="Picture 1"/>
+          <p:cNvPicPr>
+            <a:picLocks noChangeAspect="1"/>
+          </p:cNvPicPr>
+          <p:nvPr/>
+        </p:nvPicPr>
+        <p:blipFill>
+          <a:blip r:embed="rId2"/>
+          <a:stretch>
+            <a:fillRect/>
+          </a:stretch>
+        </p:blipFill>
+        <p:spPr>
+          <a:xfrm>
+            <a:off x="838846" y="1365250"/>
+            <a:ext cx="10514308" cy="4127500"/>
+          </a:xfrm>
+          <a:prstGeom prst="rect">
+            <a:avLst/>
+          </a:prstGeom>
+        </p:spPr>
+      </p:pic>
+    </p:spTree>
+    <p:extLst>
+      <p:ext uri="{BB962C8B-B14F-4D97-AF65-F5344CB8AC3E}">
+        <p14:creationId xmlns:p14="http://schemas.microsoft.com/office/powerpoint/2010/main" val="2258641372"/>
+      </p:ext>
+    </p:extLst>
+  </p:cSld>
+  <p:clrMapOvr>
+    <a:masterClrMapping/>
+  </p:clrMapOvr>
+</p:sld>
+</file>
+
+<file path=ppt/slides/slide29.xml><?xml version="1.0" encoding="utf-8"?>
+<p:sld xmlns:a="http://schemas.openxmlformats.org/drawingml/2006/main" xmlns:r="http://schemas.openxmlformats.org/officeDocument/2006/relationships" xmlns:p="http://schemas.openxmlformats.org/presentationml/2006/main">
+  <p:cSld>
+    <p:spTree>
+      <p:nvGrpSpPr>
+        <p:cNvPr id="1" name=""/>
+        <p:cNvGrpSpPr/>
+        <p:nvPr/>
+      </p:nvGrpSpPr>
+      <p:grpSpPr>
+        <a:xfrm>
+          <a:off x="0" y="0"/>
+          <a:ext cx="0" cy="0"/>
+          <a:chOff x="0" y="0"/>
+          <a:chExt cx="0" cy="0"/>
+        </a:xfrm>
+      </p:grpSpPr>
+      <p:pic>
+        <p:nvPicPr>
+          <p:cNvPr id="2" name="Picture 1"/>
+          <p:cNvPicPr>
+            <a:picLocks noChangeAspect="1"/>
+          </p:cNvPicPr>
+          <p:nvPr/>
+        </p:nvPicPr>
+        <p:blipFill>
+          <a:blip r:embed="rId2"/>
+          <a:stretch>
+            <a:fillRect/>
+          </a:stretch>
+        </p:blipFill>
+        <p:spPr>
+          <a:xfrm>
+            <a:off x="1016624" y="546099"/>
+            <a:ext cx="10158751" cy="5765801"/>
+          </a:xfrm>
+          <a:prstGeom prst="rect">
+            <a:avLst/>
+          </a:prstGeom>
+        </p:spPr>
+      </p:pic>
+      <p:pic>
+        <p:nvPicPr>
+          <p:cNvPr id="3" name="Picture 2"/>
+          <p:cNvPicPr>
+            <a:picLocks noChangeAspect="1"/>
+          </p:cNvPicPr>
+          <p:nvPr/>
+        </p:nvPicPr>
+        <p:blipFill>
+          <a:blip r:embed="rId3"/>
+          <a:stretch>
+            <a:fillRect/>
+          </a:stretch>
+        </p:blipFill>
+        <p:spPr>
+          <a:xfrm>
+            <a:off x="2922440" y="6193028"/>
+            <a:ext cx="6907951" cy="482600"/>
+          </a:xfrm>
+          <a:prstGeom prst="rect">
+            <a:avLst/>
+          </a:prstGeom>
+        </p:spPr>
+      </p:pic>
+    </p:spTree>
+    <p:extLst>
+      <p:ext uri="{BB962C8B-B14F-4D97-AF65-F5344CB8AC3E}">
+        <p14:creationId xmlns:p14="http://schemas.microsoft.com/office/powerpoint/2010/main" val="3911191277"/>
       </p:ext>
     </p:extLst>
   </p:cSld>
@@ -3846,6 +5111,786 @@
     <p:extLst>
       <p:ext uri="{BB962C8B-B14F-4D97-AF65-F5344CB8AC3E}">
         <p14:creationId xmlns:p14="http://schemas.microsoft.com/office/powerpoint/2010/main" val="2301667263"/>
+      </p:ext>
+    </p:extLst>
+  </p:cSld>
+  <p:clrMapOvr>
+    <a:masterClrMapping/>
+  </p:clrMapOvr>
+</p:sld>
+</file>
+
+<file path=ppt/slides/slide30.xml><?xml version="1.0" encoding="utf-8"?>
+<p:sld xmlns:a="http://schemas.openxmlformats.org/drawingml/2006/main" xmlns:r="http://schemas.openxmlformats.org/officeDocument/2006/relationships" xmlns:p="http://schemas.openxmlformats.org/presentationml/2006/main">
+  <p:cSld>
+    <p:spTree>
+      <p:nvGrpSpPr>
+        <p:cNvPr id="1" name=""/>
+        <p:cNvGrpSpPr/>
+        <p:nvPr/>
+      </p:nvGrpSpPr>
+      <p:grpSpPr>
+        <a:xfrm>
+          <a:off x="0" y="0"/>
+          <a:ext cx="0" cy="0"/>
+          <a:chOff x="0" y="0"/>
+          <a:chExt cx="0" cy="0"/>
+        </a:xfrm>
+      </p:grpSpPr>
+      <p:pic>
+        <p:nvPicPr>
+          <p:cNvPr id="2" name="Picture 1"/>
+          <p:cNvPicPr>
+            <a:picLocks noChangeAspect="1"/>
+          </p:cNvPicPr>
+          <p:nvPr/>
+        </p:nvPicPr>
+        <p:blipFill>
+          <a:blip r:embed="rId2"/>
+          <a:stretch>
+            <a:fillRect/>
+          </a:stretch>
+        </p:blipFill>
+        <p:spPr>
+          <a:xfrm>
+            <a:off x="252491" y="0"/>
+            <a:ext cx="3961913" cy="685800"/>
+          </a:xfrm>
+          <a:prstGeom prst="rect">
+            <a:avLst/>
+          </a:prstGeom>
+        </p:spPr>
+      </p:pic>
+      <p:pic>
+        <p:nvPicPr>
+          <p:cNvPr id="3" name="Picture 2"/>
+          <p:cNvPicPr>
+            <a:picLocks noChangeAspect="1"/>
+          </p:cNvPicPr>
+          <p:nvPr/>
+        </p:nvPicPr>
+        <p:blipFill>
+          <a:blip r:embed="rId3"/>
+          <a:stretch>
+            <a:fillRect/>
+          </a:stretch>
+        </p:blipFill>
+        <p:spPr>
+          <a:xfrm>
+            <a:off x="813449" y="641349"/>
+            <a:ext cx="10565101" cy="5575301"/>
+          </a:xfrm>
+          <a:prstGeom prst="rect">
+            <a:avLst/>
+          </a:prstGeom>
+        </p:spPr>
+      </p:pic>
+      <p:pic>
+        <p:nvPicPr>
+          <p:cNvPr id="4" name="Picture 3"/>
+          <p:cNvPicPr>
+            <a:picLocks noChangeAspect="1"/>
+          </p:cNvPicPr>
+          <p:nvPr/>
+        </p:nvPicPr>
+        <p:blipFill>
+          <a:blip r:embed="rId4"/>
+          <a:stretch>
+            <a:fillRect/>
+          </a:stretch>
+        </p:blipFill>
+        <p:spPr>
+          <a:xfrm>
+            <a:off x="4445203" y="3282950"/>
+            <a:ext cx="3301594" cy="292100"/>
+          </a:xfrm>
+          <a:prstGeom prst="rect">
+            <a:avLst/>
+          </a:prstGeom>
+        </p:spPr>
+      </p:pic>
+    </p:spTree>
+    <p:extLst>
+      <p:ext uri="{BB962C8B-B14F-4D97-AF65-F5344CB8AC3E}">
+        <p14:creationId xmlns:p14="http://schemas.microsoft.com/office/powerpoint/2010/main" val="518577451"/>
+      </p:ext>
+    </p:extLst>
+  </p:cSld>
+  <p:clrMapOvr>
+    <a:masterClrMapping/>
+  </p:clrMapOvr>
+</p:sld>
+</file>
+
+<file path=ppt/slides/slide31.xml><?xml version="1.0" encoding="utf-8"?>
+<p:sld xmlns:a="http://schemas.openxmlformats.org/drawingml/2006/main" xmlns:r="http://schemas.openxmlformats.org/officeDocument/2006/relationships" xmlns:p="http://schemas.openxmlformats.org/presentationml/2006/main">
+  <p:cSld>
+    <p:spTree>
+      <p:nvGrpSpPr>
+        <p:cNvPr id="1" name=""/>
+        <p:cNvGrpSpPr/>
+        <p:nvPr/>
+      </p:nvGrpSpPr>
+      <p:grpSpPr>
+        <a:xfrm>
+          <a:off x="0" y="0"/>
+          <a:ext cx="0" cy="0"/>
+          <a:chOff x="0" y="0"/>
+          <a:chExt cx="0" cy="0"/>
+        </a:xfrm>
+      </p:grpSpPr>
+      <p:pic>
+        <p:nvPicPr>
+          <p:cNvPr id="2" name="Picture 1"/>
+          <p:cNvPicPr>
+            <a:picLocks noChangeAspect="1"/>
+          </p:cNvPicPr>
+          <p:nvPr/>
+        </p:nvPicPr>
+        <p:blipFill>
+          <a:blip r:embed="rId2"/>
+          <a:stretch>
+            <a:fillRect/>
+          </a:stretch>
+        </p:blipFill>
+        <p:spPr>
+          <a:xfrm>
+            <a:off x="1016624" y="1352550"/>
+            <a:ext cx="10158751" cy="4152900"/>
+          </a:xfrm>
+          <a:prstGeom prst="rect">
+            <a:avLst/>
+          </a:prstGeom>
+        </p:spPr>
+      </p:pic>
+      <p:pic>
+        <p:nvPicPr>
+          <p:cNvPr id="3" name="Picture 2"/>
+          <p:cNvPicPr>
+            <a:picLocks noChangeAspect="1"/>
+          </p:cNvPicPr>
+          <p:nvPr/>
+        </p:nvPicPr>
+        <p:blipFill>
+          <a:blip r:embed="rId3"/>
+          <a:stretch>
+            <a:fillRect/>
+          </a:stretch>
+        </p:blipFill>
+        <p:spPr>
+          <a:xfrm>
+            <a:off x="1137025" y="274582"/>
+            <a:ext cx="2539688" cy="381000"/>
+          </a:xfrm>
+          <a:prstGeom prst="rect">
+            <a:avLst/>
+          </a:prstGeom>
+        </p:spPr>
+      </p:pic>
+    </p:spTree>
+    <p:extLst>
+      <p:ext uri="{BB962C8B-B14F-4D97-AF65-F5344CB8AC3E}">
+        <p14:creationId xmlns:p14="http://schemas.microsoft.com/office/powerpoint/2010/main" val="1547090162"/>
+      </p:ext>
+    </p:extLst>
+  </p:cSld>
+  <p:clrMapOvr>
+    <a:masterClrMapping/>
+  </p:clrMapOvr>
+</p:sld>
+</file>
+
+<file path=ppt/slides/slide32.xml><?xml version="1.0" encoding="utf-8"?>
+<p:sld xmlns:a="http://schemas.openxmlformats.org/drawingml/2006/main" xmlns:r="http://schemas.openxmlformats.org/officeDocument/2006/relationships" xmlns:p="http://schemas.openxmlformats.org/presentationml/2006/main">
+  <p:cSld>
+    <p:spTree>
+      <p:nvGrpSpPr>
+        <p:cNvPr id="1" name=""/>
+        <p:cNvGrpSpPr/>
+        <p:nvPr/>
+      </p:nvGrpSpPr>
+      <p:grpSpPr>
+        <a:xfrm>
+          <a:off x="0" y="0"/>
+          <a:ext cx="0" cy="0"/>
+          <a:chOff x="0" y="0"/>
+          <a:chExt cx="0" cy="0"/>
+        </a:xfrm>
+      </p:grpSpPr>
+      <p:pic>
+        <p:nvPicPr>
+          <p:cNvPr id="2" name="Picture 1"/>
+          <p:cNvPicPr>
+            <a:picLocks noChangeAspect="1"/>
+          </p:cNvPicPr>
+          <p:nvPr/>
+        </p:nvPicPr>
+        <p:blipFill>
+          <a:blip r:embed="rId2"/>
+          <a:stretch>
+            <a:fillRect/>
+          </a:stretch>
+        </p:blipFill>
+        <p:spPr>
+          <a:xfrm>
+            <a:off x="381196" y="236264"/>
+            <a:ext cx="3200007" cy="520700"/>
+          </a:xfrm>
+          <a:prstGeom prst="rect">
+            <a:avLst/>
+          </a:prstGeom>
+        </p:spPr>
+      </p:pic>
+      <p:pic>
+        <p:nvPicPr>
+          <p:cNvPr id="3" name="Picture 2"/>
+          <p:cNvPicPr>
+            <a:picLocks noChangeAspect="1"/>
+          </p:cNvPicPr>
+          <p:nvPr/>
+        </p:nvPicPr>
+        <p:blipFill>
+          <a:blip r:embed="rId3"/>
+          <a:stretch>
+            <a:fillRect/>
+          </a:stretch>
+        </p:blipFill>
+        <p:spPr>
+          <a:xfrm>
+            <a:off x="205475" y="756964"/>
+            <a:ext cx="8533351" cy="2959100"/>
+          </a:xfrm>
+          <a:prstGeom prst="rect">
+            <a:avLst/>
+          </a:prstGeom>
+        </p:spPr>
+      </p:pic>
+    </p:spTree>
+    <p:extLst>
+      <p:ext uri="{BB962C8B-B14F-4D97-AF65-F5344CB8AC3E}">
+        <p14:creationId xmlns:p14="http://schemas.microsoft.com/office/powerpoint/2010/main" val="2966891367"/>
+      </p:ext>
+    </p:extLst>
+  </p:cSld>
+  <p:clrMapOvr>
+    <a:masterClrMapping/>
+  </p:clrMapOvr>
+</p:sld>
+</file>
+
+<file path=ppt/slides/slide33.xml><?xml version="1.0" encoding="utf-8"?>
+<p:sld xmlns:a="http://schemas.openxmlformats.org/drawingml/2006/main" xmlns:r="http://schemas.openxmlformats.org/officeDocument/2006/relationships" xmlns:p="http://schemas.openxmlformats.org/presentationml/2006/main">
+  <p:cSld>
+    <p:spTree>
+      <p:nvGrpSpPr>
+        <p:cNvPr id="1" name=""/>
+        <p:cNvGrpSpPr/>
+        <p:nvPr/>
+      </p:nvGrpSpPr>
+      <p:grpSpPr>
+        <a:xfrm>
+          <a:off x="0" y="0"/>
+          <a:ext cx="0" cy="0"/>
+          <a:chOff x="0" y="0"/>
+          <a:chExt cx="0" cy="0"/>
+        </a:xfrm>
+      </p:grpSpPr>
+      <p:pic>
+        <p:nvPicPr>
+          <p:cNvPr id="2" name="Picture 1"/>
+          <p:cNvPicPr>
+            <a:picLocks noChangeAspect="1"/>
+          </p:cNvPicPr>
+          <p:nvPr/>
+        </p:nvPicPr>
+        <p:blipFill>
+          <a:blip r:embed="rId2"/>
+          <a:stretch>
+            <a:fillRect/>
+          </a:stretch>
+        </p:blipFill>
+        <p:spPr>
+          <a:xfrm>
+            <a:off x="969901" y="463296"/>
+            <a:ext cx="10361926" cy="5280406"/>
+          </a:xfrm>
+          <a:prstGeom prst="rect">
+            <a:avLst/>
+          </a:prstGeom>
+        </p:spPr>
+      </p:pic>
+    </p:spTree>
+    <p:extLst>
+      <p:ext uri="{BB962C8B-B14F-4D97-AF65-F5344CB8AC3E}">
+        <p14:creationId xmlns:p14="http://schemas.microsoft.com/office/powerpoint/2010/main" val="2136021874"/>
+      </p:ext>
+    </p:extLst>
+  </p:cSld>
+  <p:clrMapOvr>
+    <a:masterClrMapping/>
+  </p:clrMapOvr>
+</p:sld>
+</file>
+
+<file path=ppt/slides/slide34.xml><?xml version="1.0" encoding="utf-8"?>
+<p:sld xmlns:a="http://schemas.openxmlformats.org/drawingml/2006/main" xmlns:r="http://schemas.openxmlformats.org/officeDocument/2006/relationships" xmlns:p="http://schemas.openxmlformats.org/presentationml/2006/main">
+  <p:cSld>
+    <p:spTree>
+      <p:nvGrpSpPr>
+        <p:cNvPr id="1" name=""/>
+        <p:cNvGrpSpPr/>
+        <p:nvPr/>
+      </p:nvGrpSpPr>
+      <p:grpSpPr>
+        <a:xfrm>
+          <a:off x="0" y="0"/>
+          <a:ext cx="0" cy="0"/>
+          <a:chOff x="0" y="0"/>
+          <a:chExt cx="0" cy="0"/>
+        </a:xfrm>
+      </p:grpSpPr>
+      <p:pic>
+        <p:nvPicPr>
+          <p:cNvPr id="2" name="Picture 1"/>
+          <p:cNvPicPr>
+            <a:picLocks noChangeAspect="1"/>
+          </p:cNvPicPr>
+          <p:nvPr/>
+        </p:nvPicPr>
+        <p:blipFill>
+          <a:blip r:embed="rId2"/>
+          <a:stretch>
+            <a:fillRect/>
+          </a:stretch>
+        </p:blipFill>
+        <p:spPr>
+          <a:xfrm>
+            <a:off x="354995" y="412969"/>
+            <a:ext cx="4419057" cy="482600"/>
+          </a:xfrm>
+          <a:prstGeom prst="rect">
+            <a:avLst/>
+          </a:prstGeom>
+        </p:spPr>
+      </p:pic>
+      <p:pic>
+        <p:nvPicPr>
+          <p:cNvPr id="3" name="Picture 2"/>
+          <p:cNvPicPr>
+            <a:picLocks noChangeAspect="1"/>
+          </p:cNvPicPr>
+          <p:nvPr/>
+        </p:nvPicPr>
+        <p:blipFill>
+          <a:blip r:embed="rId3"/>
+          <a:stretch>
+            <a:fillRect/>
+          </a:stretch>
+        </p:blipFill>
+        <p:spPr>
+          <a:xfrm>
+            <a:off x="0" y="1005928"/>
+            <a:ext cx="8584145" cy="2260600"/>
+          </a:xfrm>
+          <a:prstGeom prst="rect">
+            <a:avLst/>
+          </a:prstGeom>
+        </p:spPr>
+      </p:pic>
+      <p:pic>
+        <p:nvPicPr>
+          <p:cNvPr id="4" name="Picture 3"/>
+          <p:cNvPicPr>
+            <a:picLocks noChangeAspect="1"/>
+          </p:cNvPicPr>
+          <p:nvPr/>
+        </p:nvPicPr>
+        <p:blipFill>
+          <a:blip r:embed="rId4"/>
+          <a:stretch>
+            <a:fillRect/>
+          </a:stretch>
+        </p:blipFill>
+        <p:spPr>
+          <a:xfrm>
+            <a:off x="150848" y="3544176"/>
+            <a:ext cx="3250800" cy="431800"/>
+          </a:xfrm>
+          <a:prstGeom prst="rect">
+            <a:avLst/>
+          </a:prstGeom>
+        </p:spPr>
+      </p:pic>
+      <p:pic>
+        <p:nvPicPr>
+          <p:cNvPr id="5" name="Picture 4"/>
+          <p:cNvPicPr>
+            <a:picLocks noChangeAspect="1"/>
+          </p:cNvPicPr>
+          <p:nvPr/>
+        </p:nvPicPr>
+        <p:blipFill>
+          <a:blip r:embed="rId5"/>
+          <a:stretch>
+            <a:fillRect/>
+          </a:stretch>
+        </p:blipFill>
+        <p:spPr>
+          <a:xfrm>
+            <a:off x="354995" y="4433614"/>
+            <a:ext cx="10209545" cy="1270000"/>
+          </a:xfrm>
+          <a:prstGeom prst="rect">
+            <a:avLst/>
+          </a:prstGeom>
+        </p:spPr>
+      </p:pic>
+    </p:spTree>
+    <p:extLst>
+      <p:ext uri="{BB962C8B-B14F-4D97-AF65-F5344CB8AC3E}">
+        <p14:creationId xmlns:p14="http://schemas.microsoft.com/office/powerpoint/2010/main" val="2719938686"/>
+      </p:ext>
+    </p:extLst>
+  </p:cSld>
+  <p:clrMapOvr>
+    <a:masterClrMapping/>
+  </p:clrMapOvr>
+</p:sld>
+</file>
+
+<file path=ppt/slides/slide35.xml><?xml version="1.0" encoding="utf-8"?>
+<p:sld xmlns:a="http://schemas.openxmlformats.org/drawingml/2006/main" xmlns:r="http://schemas.openxmlformats.org/officeDocument/2006/relationships" xmlns:p="http://schemas.openxmlformats.org/presentationml/2006/main">
+  <p:cSld>
+    <p:spTree>
+      <p:nvGrpSpPr>
+        <p:cNvPr id="1" name=""/>
+        <p:cNvGrpSpPr/>
+        <p:nvPr/>
+      </p:nvGrpSpPr>
+      <p:grpSpPr>
+        <a:xfrm>
+          <a:off x="0" y="0"/>
+          <a:ext cx="0" cy="0"/>
+          <a:chOff x="0" y="0"/>
+          <a:chExt cx="0" cy="0"/>
+        </a:xfrm>
+      </p:grpSpPr>
+      <p:pic>
+        <p:nvPicPr>
+          <p:cNvPr id="2" name="Picture 1"/>
+          <p:cNvPicPr>
+            <a:picLocks noChangeAspect="1"/>
+          </p:cNvPicPr>
+          <p:nvPr/>
+        </p:nvPicPr>
+        <p:blipFill>
+          <a:blip r:embed="rId2"/>
+          <a:stretch>
+            <a:fillRect/>
+          </a:stretch>
+        </p:blipFill>
+        <p:spPr>
+          <a:xfrm>
+            <a:off x="199005" y="283999"/>
+            <a:ext cx="2996832" cy="393700"/>
+          </a:xfrm>
+          <a:prstGeom prst="rect">
+            <a:avLst/>
+          </a:prstGeom>
+        </p:spPr>
+      </p:pic>
+      <p:pic>
+        <p:nvPicPr>
+          <p:cNvPr id="3" name="Picture 2"/>
+          <p:cNvPicPr>
+            <a:picLocks noChangeAspect="1"/>
+          </p:cNvPicPr>
+          <p:nvPr/>
+        </p:nvPicPr>
+        <p:blipFill>
+          <a:blip r:embed="rId3"/>
+          <a:stretch>
+            <a:fillRect/>
+          </a:stretch>
+        </p:blipFill>
+        <p:spPr>
+          <a:xfrm>
+            <a:off x="0" y="1268468"/>
+            <a:ext cx="9549226" cy="2933700"/>
+          </a:xfrm>
+          <a:prstGeom prst="rect">
+            <a:avLst/>
+          </a:prstGeom>
+        </p:spPr>
+      </p:pic>
+    </p:spTree>
+    <p:extLst>
+      <p:ext uri="{BB962C8B-B14F-4D97-AF65-F5344CB8AC3E}">
+        <p14:creationId xmlns:p14="http://schemas.microsoft.com/office/powerpoint/2010/main" val="4006873105"/>
+      </p:ext>
+    </p:extLst>
+  </p:cSld>
+  <p:clrMapOvr>
+    <a:masterClrMapping/>
+  </p:clrMapOvr>
+</p:sld>
+</file>
+
+<file path=ppt/slides/slide36.xml><?xml version="1.0" encoding="utf-8"?>
+<p:sld xmlns:a="http://schemas.openxmlformats.org/drawingml/2006/main" xmlns:r="http://schemas.openxmlformats.org/officeDocument/2006/relationships" xmlns:p="http://schemas.openxmlformats.org/presentationml/2006/main">
+  <p:cSld>
+    <p:spTree>
+      <p:nvGrpSpPr>
+        <p:cNvPr id="1" name=""/>
+        <p:cNvGrpSpPr/>
+        <p:nvPr/>
+      </p:nvGrpSpPr>
+      <p:grpSpPr>
+        <a:xfrm>
+          <a:off x="0" y="0"/>
+          <a:ext cx="0" cy="0"/>
+          <a:chOff x="0" y="0"/>
+          <a:chExt cx="0" cy="0"/>
+        </a:xfrm>
+      </p:grpSpPr>
+      <p:pic>
+        <p:nvPicPr>
+          <p:cNvPr id="2" name="Picture 1"/>
+          <p:cNvPicPr>
+            <a:picLocks noChangeAspect="1"/>
+          </p:cNvPicPr>
+          <p:nvPr/>
+        </p:nvPicPr>
+        <p:blipFill>
+          <a:blip r:embed="rId2"/>
+          <a:stretch>
+            <a:fillRect/>
+          </a:stretch>
+        </p:blipFill>
+        <p:spPr>
+          <a:xfrm>
+            <a:off x="803283" y="128016"/>
+            <a:ext cx="10463514" cy="6436868"/>
+          </a:xfrm>
+          <a:prstGeom prst="rect">
+            <a:avLst/>
+          </a:prstGeom>
+        </p:spPr>
+      </p:pic>
+    </p:spTree>
+    <p:extLst>
+      <p:ext uri="{BB962C8B-B14F-4D97-AF65-F5344CB8AC3E}">
+        <p14:creationId xmlns:p14="http://schemas.microsoft.com/office/powerpoint/2010/main" val="2273203325"/>
+      </p:ext>
+    </p:extLst>
+  </p:cSld>
+  <p:clrMapOvr>
+    <a:masterClrMapping/>
+  </p:clrMapOvr>
+</p:sld>
+</file>
+
+<file path=ppt/slides/slide37.xml><?xml version="1.0" encoding="utf-8"?>
+<p:sld xmlns:a="http://schemas.openxmlformats.org/drawingml/2006/main" xmlns:r="http://schemas.openxmlformats.org/officeDocument/2006/relationships" xmlns:p="http://schemas.openxmlformats.org/presentationml/2006/main">
+  <p:cSld>
+    <p:spTree>
+      <p:nvGrpSpPr>
+        <p:cNvPr id="1" name=""/>
+        <p:cNvGrpSpPr/>
+        <p:nvPr/>
+      </p:nvGrpSpPr>
+      <p:grpSpPr>
+        <a:xfrm>
+          <a:off x="0" y="0"/>
+          <a:ext cx="0" cy="0"/>
+          <a:chOff x="0" y="0"/>
+          <a:chExt cx="0" cy="0"/>
+        </a:xfrm>
+      </p:grpSpPr>
+      <p:pic>
+        <p:nvPicPr>
+          <p:cNvPr id="2" name="Picture 1"/>
+          <p:cNvPicPr>
+            <a:picLocks noChangeAspect="1"/>
+          </p:cNvPicPr>
+          <p:nvPr/>
+        </p:nvPicPr>
+        <p:blipFill>
+          <a:blip r:embed="rId2"/>
+          <a:stretch>
+            <a:fillRect/>
+          </a:stretch>
+        </p:blipFill>
+        <p:spPr>
+          <a:xfrm>
+            <a:off x="444669" y="128016"/>
+            <a:ext cx="11022245" cy="6218174"/>
+          </a:xfrm>
+          <a:prstGeom prst="rect">
+            <a:avLst/>
+          </a:prstGeom>
+        </p:spPr>
+      </p:pic>
+    </p:spTree>
+    <p:extLst>
+      <p:ext uri="{BB962C8B-B14F-4D97-AF65-F5344CB8AC3E}">
+        <p14:creationId xmlns:p14="http://schemas.microsoft.com/office/powerpoint/2010/main" val="3348101693"/>
+      </p:ext>
+    </p:extLst>
+  </p:cSld>
+  <p:clrMapOvr>
+    <a:masterClrMapping/>
+  </p:clrMapOvr>
+</p:sld>
+</file>
+
+<file path=ppt/slides/slide38.xml><?xml version="1.0" encoding="utf-8"?>
+<p:sld xmlns:a="http://schemas.openxmlformats.org/drawingml/2006/main" xmlns:r="http://schemas.openxmlformats.org/officeDocument/2006/relationships" xmlns:p="http://schemas.openxmlformats.org/presentationml/2006/main">
+  <p:cSld>
+    <p:spTree>
+      <p:nvGrpSpPr>
+        <p:cNvPr id="1" name=""/>
+        <p:cNvGrpSpPr/>
+        <p:nvPr/>
+      </p:nvGrpSpPr>
+      <p:grpSpPr>
+        <a:xfrm>
+          <a:off x="0" y="0"/>
+          <a:ext cx="0" cy="0"/>
+          <a:chOff x="0" y="0"/>
+          <a:chExt cx="0" cy="0"/>
+        </a:xfrm>
+      </p:grpSpPr>
+      <p:pic>
+        <p:nvPicPr>
+          <p:cNvPr id="2" name="Picture 1"/>
+          <p:cNvPicPr>
+            <a:picLocks noChangeAspect="1"/>
+          </p:cNvPicPr>
+          <p:nvPr/>
+        </p:nvPicPr>
+        <p:blipFill>
+          <a:blip r:embed="rId2"/>
+          <a:stretch>
+            <a:fillRect/>
+          </a:stretch>
+        </p:blipFill>
+        <p:spPr>
+          <a:xfrm>
+            <a:off x="471431" y="403554"/>
+            <a:ext cx="3555563" cy="469900"/>
+          </a:xfrm>
+          <a:prstGeom prst="rect">
+            <a:avLst/>
+          </a:prstGeom>
+        </p:spPr>
+      </p:pic>
+      <p:pic>
+        <p:nvPicPr>
+          <p:cNvPr id="3" name="Picture 2"/>
+          <p:cNvPicPr>
+            <a:picLocks noChangeAspect="1"/>
+          </p:cNvPicPr>
+          <p:nvPr/>
+        </p:nvPicPr>
+        <p:blipFill>
+          <a:blip r:embed="rId3"/>
+          <a:stretch>
+            <a:fillRect/>
+          </a:stretch>
+        </p:blipFill>
+        <p:spPr>
+          <a:xfrm>
+            <a:off x="219098" y="873454"/>
+            <a:ext cx="10717483" cy="5711952"/>
+          </a:xfrm>
+          <a:prstGeom prst="rect">
+            <a:avLst/>
+          </a:prstGeom>
+        </p:spPr>
+      </p:pic>
+    </p:spTree>
+    <p:extLst>
+      <p:ext uri="{BB962C8B-B14F-4D97-AF65-F5344CB8AC3E}">
+        <p14:creationId xmlns:p14="http://schemas.microsoft.com/office/powerpoint/2010/main" val="1298814172"/>
+      </p:ext>
+    </p:extLst>
+  </p:cSld>
+  <p:clrMapOvr>
+    <a:masterClrMapping/>
+  </p:clrMapOvr>
+</p:sld>
+</file>
+
+<file path=ppt/slides/slide39.xml><?xml version="1.0" encoding="utf-8"?>
+<p:sld xmlns:a="http://schemas.openxmlformats.org/drawingml/2006/main" xmlns:r="http://schemas.openxmlformats.org/officeDocument/2006/relationships" xmlns:p="http://schemas.openxmlformats.org/presentationml/2006/main">
+  <p:cSld>
+    <p:spTree>
+      <p:nvGrpSpPr>
+        <p:cNvPr id="1" name=""/>
+        <p:cNvGrpSpPr/>
+        <p:nvPr/>
+      </p:nvGrpSpPr>
+      <p:grpSpPr>
+        <a:xfrm>
+          <a:off x="0" y="0"/>
+          <a:ext cx="0" cy="0"/>
+          <a:chOff x="0" y="0"/>
+          <a:chExt cx="0" cy="0"/>
+        </a:xfrm>
+      </p:grpSpPr>
+      <p:pic>
+        <p:nvPicPr>
+          <p:cNvPr id="2" name="Picture 1"/>
+          <p:cNvPicPr>
+            <a:picLocks noChangeAspect="1"/>
+          </p:cNvPicPr>
+          <p:nvPr/>
+        </p:nvPicPr>
+        <p:blipFill>
+          <a:blip r:embed="rId2"/>
+          <a:stretch>
+            <a:fillRect/>
+          </a:stretch>
+        </p:blipFill>
+        <p:spPr>
+          <a:xfrm>
+            <a:off x="205195" y="340711"/>
+            <a:ext cx="3961913" cy="406400"/>
+          </a:xfrm>
+          <a:prstGeom prst="rect">
+            <a:avLst/>
+          </a:prstGeom>
+        </p:spPr>
+      </p:pic>
+      <p:pic>
+        <p:nvPicPr>
+          <p:cNvPr id="3" name="Picture 2"/>
+          <p:cNvPicPr>
+            <a:picLocks noChangeAspect="1"/>
+          </p:cNvPicPr>
+          <p:nvPr/>
+        </p:nvPicPr>
+        <p:blipFill>
+          <a:blip r:embed="rId3"/>
+          <a:stretch>
+            <a:fillRect/>
+          </a:stretch>
+        </p:blipFill>
+        <p:spPr>
+          <a:xfrm>
+            <a:off x="762655" y="1841500"/>
+            <a:ext cx="10666689" cy="3175000"/>
+          </a:xfrm>
+          <a:prstGeom prst="rect">
+            <a:avLst/>
+          </a:prstGeom>
+        </p:spPr>
+      </p:pic>
+    </p:spTree>
+    <p:extLst>
+      <p:ext uri="{BB962C8B-B14F-4D97-AF65-F5344CB8AC3E}">
+        <p14:creationId xmlns:p14="http://schemas.microsoft.com/office/powerpoint/2010/main" val="515581236"/>
       </p:ext>
     </p:extLst>
   </p:cSld>

--- a/Gradle.pptx
+++ b/Gradle.pptx
@@ -44,6 +44,13 @@
     <p:sldId id="294" r:id="rId38"/>
     <p:sldId id="295" r:id="rId39"/>
     <p:sldId id="296" r:id="rId40"/>
+    <p:sldId id="297" r:id="rId41"/>
+    <p:sldId id="298" r:id="rId42"/>
+    <p:sldId id="299" r:id="rId43"/>
+    <p:sldId id="300" r:id="rId44"/>
+    <p:sldId id="301" r:id="rId45"/>
+    <p:sldId id="302" r:id="rId46"/>
+    <p:sldId id="303" r:id="rId47"/>
   </p:sldIdLst>
   <p:sldSz cx="12192000" cy="6858000"/>
   <p:notesSz cx="6858000" cy="9144000"/>
@@ -281,7 +288,7 @@
           <a:p>
             <a:fld id="{CD7BE99B-5793-4A6C-9E18-95ED3231E162}" type="datetimeFigureOut">
               <a:rPr lang="en-US" smtClean="0"/>
-              <a:t>2/4/2018</a:t>
+              <a:t>2/8/2018</a:t>
             </a:fld>
             <a:endParaRPr lang="en-US"/>
           </a:p>
@@ -451,7 +458,7 @@
           <a:p>
             <a:fld id="{CD7BE99B-5793-4A6C-9E18-95ED3231E162}" type="datetimeFigureOut">
               <a:rPr lang="en-US" smtClean="0"/>
-              <a:t>2/4/2018</a:t>
+              <a:t>2/8/2018</a:t>
             </a:fld>
             <a:endParaRPr lang="en-US"/>
           </a:p>
@@ -631,7 +638,7 @@
           <a:p>
             <a:fld id="{CD7BE99B-5793-4A6C-9E18-95ED3231E162}" type="datetimeFigureOut">
               <a:rPr lang="en-US" smtClean="0"/>
-              <a:t>2/4/2018</a:t>
+              <a:t>2/8/2018</a:t>
             </a:fld>
             <a:endParaRPr lang="en-US"/>
           </a:p>
@@ -801,7 +808,7 @@
           <a:p>
             <a:fld id="{CD7BE99B-5793-4A6C-9E18-95ED3231E162}" type="datetimeFigureOut">
               <a:rPr lang="en-US" smtClean="0"/>
-              <a:t>2/4/2018</a:t>
+              <a:t>2/8/2018</a:t>
             </a:fld>
             <a:endParaRPr lang="en-US"/>
           </a:p>
@@ -1047,7 +1054,7 @@
           <a:p>
             <a:fld id="{CD7BE99B-5793-4A6C-9E18-95ED3231E162}" type="datetimeFigureOut">
               <a:rPr lang="en-US" smtClean="0"/>
-              <a:t>2/4/2018</a:t>
+              <a:t>2/8/2018</a:t>
             </a:fld>
             <a:endParaRPr lang="en-US"/>
           </a:p>
@@ -1279,7 +1286,7 @@
           <a:p>
             <a:fld id="{CD7BE99B-5793-4A6C-9E18-95ED3231E162}" type="datetimeFigureOut">
               <a:rPr lang="en-US" smtClean="0"/>
-              <a:t>2/4/2018</a:t>
+              <a:t>2/8/2018</a:t>
             </a:fld>
             <a:endParaRPr lang="en-US"/>
           </a:p>
@@ -1646,7 +1653,7 @@
           <a:p>
             <a:fld id="{CD7BE99B-5793-4A6C-9E18-95ED3231E162}" type="datetimeFigureOut">
               <a:rPr lang="en-US" smtClean="0"/>
-              <a:t>2/4/2018</a:t>
+              <a:t>2/8/2018</a:t>
             </a:fld>
             <a:endParaRPr lang="en-US"/>
           </a:p>
@@ -1764,7 +1771,7 @@
           <a:p>
             <a:fld id="{CD7BE99B-5793-4A6C-9E18-95ED3231E162}" type="datetimeFigureOut">
               <a:rPr lang="en-US" smtClean="0"/>
-              <a:t>2/4/2018</a:t>
+              <a:t>2/8/2018</a:t>
             </a:fld>
             <a:endParaRPr lang="en-US"/>
           </a:p>
@@ -1859,7 +1866,7 @@
           <a:p>
             <a:fld id="{CD7BE99B-5793-4A6C-9E18-95ED3231E162}" type="datetimeFigureOut">
               <a:rPr lang="en-US" smtClean="0"/>
-              <a:t>2/4/2018</a:t>
+              <a:t>2/8/2018</a:t>
             </a:fld>
             <a:endParaRPr lang="en-US"/>
           </a:p>
@@ -2136,7 +2143,7 @@
           <a:p>
             <a:fld id="{CD7BE99B-5793-4A6C-9E18-95ED3231E162}" type="datetimeFigureOut">
               <a:rPr lang="en-US" smtClean="0"/>
-              <a:t>2/4/2018</a:t>
+              <a:t>2/8/2018</a:t>
             </a:fld>
             <a:endParaRPr lang="en-US"/>
           </a:p>
@@ -2389,7 +2396,7 @@
           <a:p>
             <a:fld id="{CD7BE99B-5793-4A6C-9E18-95ED3231E162}" type="datetimeFigureOut">
               <a:rPr lang="en-US" smtClean="0"/>
-              <a:t>2/4/2018</a:t>
+              <a:t>2/8/2018</a:t>
             </a:fld>
             <a:endParaRPr lang="en-US"/>
           </a:p>
@@ -2602,7 +2609,7 @@
           <a:p>
             <a:fld id="{CD7BE99B-5793-4A6C-9E18-95ED3231E162}" type="datetimeFigureOut">
               <a:rPr lang="en-US" smtClean="0"/>
-              <a:t>2/4/2018</a:t>
+              <a:t>2/8/2018</a:t>
             </a:fld>
             <a:endParaRPr lang="en-US"/>
           </a:p>
@@ -6050,6 +6057,792 @@
 </p:sld>
 </file>
 
+<file path=ppt/slides/slide40.xml><?xml version="1.0" encoding="utf-8"?>
+<p:sld xmlns:a="http://schemas.openxmlformats.org/drawingml/2006/main" xmlns:r="http://schemas.openxmlformats.org/officeDocument/2006/relationships" xmlns:p="http://schemas.openxmlformats.org/presentationml/2006/main">
+  <p:cSld>
+    <p:spTree>
+      <p:nvGrpSpPr>
+        <p:cNvPr id="1" name=""/>
+        <p:cNvGrpSpPr/>
+        <p:nvPr/>
+      </p:nvGrpSpPr>
+      <p:grpSpPr>
+        <a:xfrm>
+          <a:off x="0" y="0"/>
+          <a:ext cx="0" cy="0"/>
+          <a:chOff x="0" y="0"/>
+          <a:chExt cx="0" cy="0"/>
+        </a:xfrm>
+      </p:grpSpPr>
+      <p:pic>
+        <p:nvPicPr>
+          <p:cNvPr id="2" name="Picture 1"/>
+          <p:cNvPicPr>
+            <a:picLocks noChangeAspect="1"/>
+          </p:cNvPicPr>
+          <p:nvPr/>
+        </p:nvPicPr>
+        <p:blipFill>
+          <a:blip r:embed="rId2"/>
+          <a:stretch>
+            <a:fillRect/>
+          </a:stretch>
+        </p:blipFill>
+        <p:spPr>
+          <a:xfrm>
+            <a:off x="1798912" y="777874"/>
+            <a:ext cx="9094214" cy="4060825"/>
+          </a:xfrm>
+          <a:prstGeom prst="rect">
+            <a:avLst/>
+          </a:prstGeom>
+        </p:spPr>
+      </p:pic>
+      <p:pic>
+        <p:nvPicPr>
+          <p:cNvPr id="3" name="Picture 2"/>
+          <p:cNvPicPr>
+            <a:picLocks noChangeAspect="1"/>
+          </p:cNvPicPr>
+          <p:nvPr/>
+        </p:nvPicPr>
+        <p:blipFill>
+          <a:blip r:embed="rId3"/>
+          <a:stretch>
+            <a:fillRect/>
+          </a:stretch>
+        </p:blipFill>
+        <p:spPr>
+          <a:xfrm>
+            <a:off x="4255312" y="5283200"/>
+            <a:ext cx="3300376" cy="406400"/>
+          </a:xfrm>
+          <a:prstGeom prst="rect">
+            <a:avLst/>
+          </a:prstGeom>
+        </p:spPr>
+      </p:pic>
+    </p:spTree>
+    <p:extLst>
+      <p:ext uri="{BB962C8B-B14F-4D97-AF65-F5344CB8AC3E}">
+        <p14:creationId xmlns:p14="http://schemas.microsoft.com/office/powerpoint/2010/main" val="3589399270"/>
+      </p:ext>
+    </p:extLst>
+  </p:cSld>
+  <p:clrMapOvr>
+    <a:masterClrMapping/>
+  </p:clrMapOvr>
+</p:sld>
+</file>
+
+<file path=ppt/slides/slide41.xml><?xml version="1.0" encoding="utf-8"?>
+<p:sld xmlns:a="http://schemas.openxmlformats.org/drawingml/2006/main" xmlns:r="http://schemas.openxmlformats.org/officeDocument/2006/relationships" xmlns:p="http://schemas.openxmlformats.org/presentationml/2006/main">
+  <p:cSld>
+    <p:spTree>
+      <p:nvGrpSpPr>
+        <p:cNvPr id="1" name=""/>
+        <p:cNvGrpSpPr/>
+        <p:nvPr/>
+      </p:nvGrpSpPr>
+      <p:grpSpPr>
+        <a:xfrm>
+          <a:off x="0" y="0"/>
+          <a:ext cx="0" cy="0"/>
+          <a:chOff x="0" y="0"/>
+          <a:chExt cx="0" cy="0"/>
+        </a:xfrm>
+      </p:grpSpPr>
+      <p:pic>
+        <p:nvPicPr>
+          <p:cNvPr id="2" name="Picture 1"/>
+          <p:cNvPicPr>
+            <a:picLocks noChangeAspect="1"/>
+          </p:cNvPicPr>
+          <p:nvPr/>
+        </p:nvPicPr>
+        <p:blipFill>
+          <a:blip r:embed="rId2"/>
+          <a:stretch>
+            <a:fillRect/>
+          </a:stretch>
+        </p:blipFill>
+        <p:spPr>
+          <a:xfrm>
+            <a:off x="343799" y="1298575"/>
+            <a:ext cx="3655801" cy="1993900"/>
+          </a:xfrm>
+          <a:prstGeom prst="rect">
+            <a:avLst/>
+          </a:prstGeom>
+        </p:spPr>
+      </p:pic>
+      <p:pic>
+        <p:nvPicPr>
+          <p:cNvPr id="3" name="Picture 2"/>
+          <p:cNvPicPr>
+            <a:picLocks noChangeAspect="1"/>
+          </p:cNvPicPr>
+          <p:nvPr/>
+        </p:nvPicPr>
+        <p:blipFill>
+          <a:blip r:embed="rId3"/>
+          <a:stretch>
+            <a:fillRect/>
+          </a:stretch>
+        </p:blipFill>
+        <p:spPr>
+          <a:xfrm>
+            <a:off x="572287" y="276225"/>
+            <a:ext cx="3198826" cy="647700"/>
+          </a:xfrm>
+          <a:prstGeom prst="rect">
+            <a:avLst/>
+          </a:prstGeom>
+        </p:spPr>
+      </p:pic>
+      <p:pic>
+        <p:nvPicPr>
+          <p:cNvPr id="4" name="Picture 3"/>
+          <p:cNvPicPr>
+            <a:picLocks noChangeAspect="1"/>
+          </p:cNvPicPr>
+          <p:nvPr/>
+        </p:nvPicPr>
+        <p:blipFill>
+          <a:blip r:embed="rId4"/>
+          <a:stretch>
+            <a:fillRect/>
+          </a:stretch>
+        </p:blipFill>
+        <p:spPr>
+          <a:xfrm>
+            <a:off x="572287" y="3457575"/>
+            <a:ext cx="1167825" cy="419100"/>
+          </a:xfrm>
+          <a:prstGeom prst="rect">
+            <a:avLst/>
+          </a:prstGeom>
+        </p:spPr>
+      </p:pic>
+      <p:pic>
+        <p:nvPicPr>
+          <p:cNvPr id="5" name="Picture 4"/>
+          <p:cNvPicPr>
+            <a:picLocks noChangeAspect="1"/>
+          </p:cNvPicPr>
+          <p:nvPr/>
+        </p:nvPicPr>
+        <p:blipFill>
+          <a:blip r:embed="rId5"/>
+          <a:stretch>
+            <a:fillRect/>
+          </a:stretch>
+        </p:blipFill>
+        <p:spPr>
+          <a:xfrm>
+            <a:off x="519544" y="3876675"/>
+            <a:ext cx="6600751" cy="2527300"/>
+          </a:xfrm>
+          <a:prstGeom prst="rect">
+            <a:avLst/>
+          </a:prstGeom>
+        </p:spPr>
+      </p:pic>
+      <p:pic>
+        <p:nvPicPr>
+          <p:cNvPr id="6" name="Picture 5"/>
+          <p:cNvPicPr>
+            <a:picLocks noChangeAspect="1"/>
+          </p:cNvPicPr>
+          <p:nvPr/>
+        </p:nvPicPr>
+        <p:blipFill>
+          <a:blip r:embed="rId6"/>
+          <a:stretch>
+            <a:fillRect/>
+          </a:stretch>
+        </p:blipFill>
+        <p:spPr>
+          <a:xfrm>
+            <a:off x="673856" y="6403975"/>
+            <a:ext cx="4011226" cy="317500"/>
+          </a:xfrm>
+          <a:prstGeom prst="rect">
+            <a:avLst/>
+          </a:prstGeom>
+        </p:spPr>
+      </p:pic>
+    </p:spTree>
+    <p:extLst>
+      <p:ext uri="{BB962C8B-B14F-4D97-AF65-F5344CB8AC3E}">
+        <p14:creationId xmlns:p14="http://schemas.microsoft.com/office/powerpoint/2010/main" val="3202051501"/>
+      </p:ext>
+    </p:extLst>
+  </p:cSld>
+  <p:clrMapOvr>
+    <a:masterClrMapping/>
+  </p:clrMapOvr>
+</p:sld>
+</file>
+
+<file path=ppt/slides/slide42.xml><?xml version="1.0" encoding="utf-8"?>
+<p:sld xmlns:a="http://schemas.openxmlformats.org/drawingml/2006/main" xmlns:r="http://schemas.openxmlformats.org/officeDocument/2006/relationships" xmlns:p="http://schemas.openxmlformats.org/presentationml/2006/main">
+  <p:cSld>
+    <p:spTree>
+      <p:nvGrpSpPr>
+        <p:cNvPr id="1" name=""/>
+        <p:cNvGrpSpPr/>
+        <p:nvPr/>
+      </p:nvGrpSpPr>
+      <p:grpSpPr>
+        <a:xfrm>
+          <a:off x="0" y="0"/>
+          <a:ext cx="0" cy="0"/>
+          <a:chOff x="0" y="0"/>
+          <a:chExt cx="0" cy="0"/>
+        </a:xfrm>
+      </p:grpSpPr>
+      <p:pic>
+        <p:nvPicPr>
+          <p:cNvPr id="2" name="Picture 1"/>
+          <p:cNvPicPr>
+            <a:picLocks noChangeAspect="1"/>
+          </p:cNvPicPr>
+          <p:nvPr/>
+        </p:nvPicPr>
+        <p:blipFill>
+          <a:blip r:embed="rId2"/>
+          <a:stretch>
+            <a:fillRect/>
+          </a:stretch>
+        </p:blipFill>
+        <p:spPr>
+          <a:xfrm>
+            <a:off x="196211" y="0"/>
+            <a:ext cx="1624800" cy="469900"/>
+          </a:xfrm>
+          <a:prstGeom prst="rect">
+            <a:avLst/>
+          </a:prstGeom>
+        </p:spPr>
+      </p:pic>
+      <p:pic>
+        <p:nvPicPr>
+          <p:cNvPr id="3" name="Picture 2"/>
+          <p:cNvPicPr>
+            <a:picLocks noChangeAspect="1"/>
+          </p:cNvPicPr>
+          <p:nvPr/>
+        </p:nvPicPr>
+        <p:blipFill>
+          <a:blip r:embed="rId3"/>
+          <a:stretch>
+            <a:fillRect/>
+          </a:stretch>
+        </p:blipFill>
+        <p:spPr>
+          <a:xfrm>
+            <a:off x="196211" y="469900"/>
+            <a:ext cx="1320150" cy="419100"/>
+          </a:xfrm>
+          <a:prstGeom prst="rect">
+            <a:avLst/>
+          </a:prstGeom>
+        </p:spPr>
+      </p:pic>
+      <p:pic>
+        <p:nvPicPr>
+          <p:cNvPr id="4" name="Picture 3"/>
+          <p:cNvPicPr>
+            <a:picLocks noChangeAspect="1"/>
+          </p:cNvPicPr>
+          <p:nvPr/>
+        </p:nvPicPr>
+        <p:blipFill>
+          <a:blip r:embed="rId4"/>
+          <a:stretch>
+            <a:fillRect/>
+          </a:stretch>
+        </p:blipFill>
+        <p:spPr>
+          <a:xfrm>
+            <a:off x="196211" y="939800"/>
+            <a:ext cx="3960451" cy="1879600"/>
+          </a:xfrm>
+          <a:prstGeom prst="rect">
+            <a:avLst/>
+          </a:prstGeom>
+        </p:spPr>
+      </p:pic>
+      <p:pic>
+        <p:nvPicPr>
+          <p:cNvPr id="5" name="Picture 4"/>
+          <p:cNvPicPr>
+            <a:picLocks noChangeAspect="1"/>
+          </p:cNvPicPr>
+          <p:nvPr/>
+        </p:nvPicPr>
+        <p:blipFill>
+          <a:blip r:embed="rId5"/>
+          <a:stretch>
+            <a:fillRect/>
+          </a:stretch>
+        </p:blipFill>
+        <p:spPr>
+          <a:xfrm>
+            <a:off x="297761" y="2395336"/>
+            <a:ext cx="7717801" cy="2832100"/>
+          </a:xfrm>
+          <a:prstGeom prst="rect">
+            <a:avLst/>
+          </a:prstGeom>
+        </p:spPr>
+      </p:pic>
+      <p:pic>
+        <p:nvPicPr>
+          <p:cNvPr id="6" name="Picture 5"/>
+          <p:cNvPicPr>
+            <a:picLocks noChangeAspect="1"/>
+          </p:cNvPicPr>
+          <p:nvPr/>
+        </p:nvPicPr>
+        <p:blipFill>
+          <a:blip r:embed="rId6"/>
+          <a:stretch>
+            <a:fillRect/>
+          </a:stretch>
+        </p:blipFill>
+        <p:spPr>
+          <a:xfrm>
+            <a:off x="729348" y="5471160"/>
+            <a:ext cx="2183325" cy="304800"/>
+          </a:xfrm>
+          <a:prstGeom prst="rect">
+            <a:avLst/>
+          </a:prstGeom>
+        </p:spPr>
+      </p:pic>
+    </p:spTree>
+    <p:extLst>
+      <p:ext uri="{BB962C8B-B14F-4D97-AF65-F5344CB8AC3E}">
+        <p14:creationId xmlns:p14="http://schemas.microsoft.com/office/powerpoint/2010/main" val="1498274958"/>
+      </p:ext>
+    </p:extLst>
+  </p:cSld>
+  <p:clrMapOvr>
+    <a:masterClrMapping/>
+  </p:clrMapOvr>
+</p:sld>
+</file>
+
+<file path=ppt/slides/slide43.xml><?xml version="1.0" encoding="utf-8"?>
+<p:sld xmlns:a="http://schemas.openxmlformats.org/drawingml/2006/main" xmlns:r="http://schemas.openxmlformats.org/officeDocument/2006/relationships" xmlns:p="http://schemas.openxmlformats.org/presentationml/2006/main">
+  <p:cSld>
+    <p:spTree>
+      <p:nvGrpSpPr>
+        <p:cNvPr id="1" name=""/>
+        <p:cNvGrpSpPr/>
+        <p:nvPr/>
+      </p:nvGrpSpPr>
+      <p:grpSpPr>
+        <a:xfrm>
+          <a:off x="0" y="0"/>
+          <a:ext cx="0" cy="0"/>
+          <a:chOff x="0" y="0"/>
+          <a:chExt cx="0" cy="0"/>
+        </a:xfrm>
+      </p:grpSpPr>
+      <p:pic>
+        <p:nvPicPr>
+          <p:cNvPr id="2" name="Picture 1"/>
+          <p:cNvPicPr>
+            <a:picLocks noChangeAspect="1"/>
+          </p:cNvPicPr>
+          <p:nvPr/>
+        </p:nvPicPr>
+        <p:blipFill>
+          <a:blip r:embed="rId2"/>
+          <a:stretch>
+            <a:fillRect/>
+          </a:stretch>
+        </p:blipFill>
+        <p:spPr>
+          <a:xfrm>
+            <a:off x="270352" y="636846"/>
+            <a:ext cx="8124001" cy="5384801"/>
+          </a:xfrm>
+          <a:prstGeom prst="rect">
+            <a:avLst/>
+          </a:prstGeom>
+        </p:spPr>
+      </p:pic>
+      <p:pic>
+        <p:nvPicPr>
+          <p:cNvPr id="3" name="Picture 2"/>
+          <p:cNvPicPr>
+            <a:picLocks noChangeAspect="1"/>
+          </p:cNvPicPr>
+          <p:nvPr/>
+        </p:nvPicPr>
+        <p:blipFill>
+          <a:blip r:embed="rId3"/>
+          <a:stretch>
+            <a:fillRect/>
+          </a:stretch>
+        </p:blipFill>
+        <p:spPr>
+          <a:xfrm>
+            <a:off x="270352" y="116378"/>
+            <a:ext cx="2640300" cy="355600"/>
+          </a:xfrm>
+          <a:prstGeom prst="rect">
+            <a:avLst/>
+          </a:prstGeom>
+        </p:spPr>
+      </p:pic>
+    </p:spTree>
+    <p:extLst>
+      <p:ext uri="{BB962C8B-B14F-4D97-AF65-F5344CB8AC3E}">
+        <p14:creationId xmlns:p14="http://schemas.microsoft.com/office/powerpoint/2010/main" val="3095779858"/>
+      </p:ext>
+    </p:extLst>
+  </p:cSld>
+  <p:clrMapOvr>
+    <a:masterClrMapping/>
+  </p:clrMapOvr>
+</p:sld>
+</file>
+
+<file path=ppt/slides/slide44.xml><?xml version="1.0" encoding="utf-8"?>
+<p:sld xmlns:a="http://schemas.openxmlformats.org/drawingml/2006/main" xmlns:r="http://schemas.openxmlformats.org/officeDocument/2006/relationships" xmlns:p="http://schemas.openxmlformats.org/presentationml/2006/main">
+  <p:cSld>
+    <p:spTree>
+      <p:nvGrpSpPr>
+        <p:cNvPr id="1" name=""/>
+        <p:cNvGrpSpPr/>
+        <p:nvPr/>
+      </p:nvGrpSpPr>
+      <p:grpSpPr>
+        <a:xfrm>
+          <a:off x="0" y="0"/>
+          <a:ext cx="0" cy="0"/>
+          <a:chOff x="0" y="0"/>
+          <a:chExt cx="0" cy="0"/>
+        </a:xfrm>
+      </p:grpSpPr>
+      <p:pic>
+        <p:nvPicPr>
+          <p:cNvPr id="2" name="Picture 1"/>
+          <p:cNvPicPr>
+            <a:picLocks noChangeAspect="1"/>
+          </p:cNvPicPr>
+          <p:nvPr/>
+        </p:nvPicPr>
+        <p:blipFill>
+          <a:blip r:embed="rId2"/>
+          <a:stretch>
+            <a:fillRect/>
+          </a:stretch>
+        </p:blipFill>
+        <p:spPr>
+          <a:xfrm>
+            <a:off x="327192" y="211167"/>
+            <a:ext cx="4671301" cy="317500"/>
+          </a:xfrm>
+          <a:prstGeom prst="rect">
+            <a:avLst/>
+          </a:prstGeom>
+        </p:spPr>
+      </p:pic>
+      <p:pic>
+        <p:nvPicPr>
+          <p:cNvPr id="3" name="Picture 2"/>
+          <p:cNvPicPr>
+            <a:picLocks noChangeAspect="1"/>
+          </p:cNvPicPr>
+          <p:nvPr/>
+        </p:nvPicPr>
+        <p:blipFill>
+          <a:blip r:embed="rId3"/>
+          <a:stretch>
+            <a:fillRect/>
+          </a:stretch>
+        </p:blipFill>
+        <p:spPr>
+          <a:xfrm>
+            <a:off x="206098" y="927447"/>
+            <a:ext cx="6143776" cy="1993900"/>
+          </a:xfrm>
+          <a:prstGeom prst="rect">
+            <a:avLst/>
+          </a:prstGeom>
+        </p:spPr>
+      </p:pic>
+      <p:pic>
+        <p:nvPicPr>
+          <p:cNvPr id="4" name="Picture 3"/>
+          <p:cNvPicPr>
+            <a:picLocks noChangeAspect="1"/>
+          </p:cNvPicPr>
+          <p:nvPr/>
+        </p:nvPicPr>
+        <p:blipFill>
+          <a:blip r:embed="rId4"/>
+          <a:stretch>
+            <a:fillRect/>
+          </a:stretch>
+        </p:blipFill>
+        <p:spPr>
+          <a:xfrm>
+            <a:off x="206098" y="2857038"/>
+            <a:ext cx="1980225" cy="279400"/>
+          </a:xfrm>
+          <a:prstGeom prst="rect">
+            <a:avLst/>
+          </a:prstGeom>
+        </p:spPr>
+      </p:pic>
+      <p:pic>
+        <p:nvPicPr>
+          <p:cNvPr id="5" name="Picture 4"/>
+          <p:cNvPicPr>
+            <a:picLocks noChangeAspect="1"/>
+          </p:cNvPicPr>
+          <p:nvPr/>
+        </p:nvPicPr>
+        <p:blipFill>
+          <a:blip r:embed="rId5"/>
+          <a:stretch>
+            <a:fillRect/>
+          </a:stretch>
+        </p:blipFill>
+        <p:spPr>
+          <a:xfrm>
+            <a:off x="206098" y="3208713"/>
+            <a:ext cx="7971676" cy="3482226"/>
+          </a:xfrm>
+          <a:prstGeom prst="rect">
+            <a:avLst/>
+          </a:prstGeom>
+        </p:spPr>
+      </p:pic>
+    </p:spTree>
+    <p:extLst>
+      <p:ext uri="{BB962C8B-B14F-4D97-AF65-F5344CB8AC3E}">
+        <p14:creationId xmlns:p14="http://schemas.microsoft.com/office/powerpoint/2010/main" val="833290166"/>
+      </p:ext>
+    </p:extLst>
+  </p:cSld>
+  <p:clrMapOvr>
+    <a:masterClrMapping/>
+  </p:clrMapOvr>
+</p:sld>
+</file>
+
+<file path=ppt/slides/slide45.xml><?xml version="1.0" encoding="utf-8"?>
+<p:sld xmlns:a="http://schemas.openxmlformats.org/drawingml/2006/main" xmlns:r="http://schemas.openxmlformats.org/officeDocument/2006/relationships" xmlns:p="http://schemas.openxmlformats.org/presentationml/2006/main">
+  <p:cSld>
+    <p:spTree>
+      <p:nvGrpSpPr>
+        <p:cNvPr id="1" name=""/>
+        <p:cNvGrpSpPr/>
+        <p:nvPr/>
+      </p:nvGrpSpPr>
+      <p:grpSpPr>
+        <a:xfrm>
+          <a:off x="0" y="0"/>
+          <a:ext cx="0" cy="0"/>
+          <a:chOff x="0" y="0"/>
+          <a:chExt cx="0" cy="0"/>
+        </a:xfrm>
+      </p:grpSpPr>
+      <p:pic>
+        <p:nvPicPr>
+          <p:cNvPr id="2" name="Picture 1"/>
+          <p:cNvPicPr>
+            <a:picLocks noChangeAspect="1"/>
+          </p:cNvPicPr>
+          <p:nvPr/>
+        </p:nvPicPr>
+        <p:blipFill>
+          <a:blip r:embed="rId2"/>
+          <a:stretch>
+            <a:fillRect/>
+          </a:stretch>
+        </p:blipFill>
+        <p:spPr>
+          <a:xfrm>
+            <a:off x="195087" y="281132"/>
+            <a:ext cx="2691075" cy="393700"/>
+          </a:xfrm>
+          <a:prstGeom prst="rect">
+            <a:avLst/>
+          </a:prstGeom>
+        </p:spPr>
+      </p:pic>
+      <p:pic>
+        <p:nvPicPr>
+          <p:cNvPr id="3" name="Picture 2"/>
+          <p:cNvPicPr>
+            <a:picLocks noChangeAspect="1"/>
+          </p:cNvPicPr>
+          <p:nvPr/>
+        </p:nvPicPr>
+        <p:blipFill>
+          <a:blip r:embed="rId3"/>
+          <a:stretch>
+            <a:fillRect/>
+          </a:stretch>
+        </p:blipFill>
+        <p:spPr>
+          <a:xfrm>
+            <a:off x="195087" y="875953"/>
+            <a:ext cx="7616251" cy="2628900"/>
+          </a:xfrm>
+          <a:prstGeom prst="rect">
+            <a:avLst/>
+          </a:prstGeom>
+        </p:spPr>
+      </p:pic>
+      <p:pic>
+        <p:nvPicPr>
+          <p:cNvPr id="4" name="Picture 3"/>
+          <p:cNvPicPr>
+            <a:picLocks noChangeAspect="1"/>
+          </p:cNvPicPr>
+          <p:nvPr/>
+        </p:nvPicPr>
+        <p:blipFill>
+          <a:blip r:embed="rId4"/>
+          <a:stretch>
+            <a:fillRect/>
+          </a:stretch>
+        </p:blipFill>
+        <p:spPr>
+          <a:xfrm>
+            <a:off x="451433" y="3511375"/>
+            <a:ext cx="2843400" cy="419100"/>
+          </a:xfrm>
+          <a:prstGeom prst="rect">
+            <a:avLst/>
+          </a:prstGeom>
+        </p:spPr>
+      </p:pic>
+      <p:pic>
+        <p:nvPicPr>
+          <p:cNvPr id="5" name="Picture 4"/>
+          <p:cNvPicPr>
+            <a:picLocks noChangeAspect="1"/>
+          </p:cNvPicPr>
+          <p:nvPr/>
+        </p:nvPicPr>
+        <p:blipFill>
+          <a:blip r:embed="rId5"/>
+          <a:stretch>
+            <a:fillRect/>
+          </a:stretch>
+        </p:blipFill>
+        <p:spPr>
+          <a:xfrm>
+            <a:off x="195087" y="3936997"/>
+            <a:ext cx="7920901" cy="2089730"/>
+          </a:xfrm>
+          <a:prstGeom prst="rect">
+            <a:avLst/>
+          </a:prstGeom>
+        </p:spPr>
+      </p:pic>
+      <p:pic>
+        <p:nvPicPr>
+          <p:cNvPr id="6" name="Picture 5"/>
+          <p:cNvPicPr>
+            <a:picLocks noChangeAspect="1"/>
+          </p:cNvPicPr>
+          <p:nvPr/>
+        </p:nvPicPr>
+        <p:blipFill>
+          <a:blip r:embed="rId6"/>
+          <a:stretch>
+            <a:fillRect/>
+          </a:stretch>
+        </p:blipFill>
+        <p:spPr>
+          <a:xfrm>
+            <a:off x="550512" y="6204180"/>
+            <a:ext cx="2335650" cy="368300"/>
+          </a:xfrm>
+          <a:prstGeom prst="rect">
+            <a:avLst/>
+          </a:prstGeom>
+        </p:spPr>
+      </p:pic>
+    </p:spTree>
+    <p:extLst>
+      <p:ext uri="{BB962C8B-B14F-4D97-AF65-F5344CB8AC3E}">
+        <p14:creationId xmlns:p14="http://schemas.microsoft.com/office/powerpoint/2010/main" val="3854746317"/>
+      </p:ext>
+    </p:extLst>
+  </p:cSld>
+  <p:clrMapOvr>
+    <a:masterClrMapping/>
+  </p:clrMapOvr>
+</p:sld>
+</file>
+
+<file path=ppt/slides/slide46.xml><?xml version="1.0" encoding="utf-8"?>
+<p:sld xmlns:a="http://schemas.openxmlformats.org/drawingml/2006/main" xmlns:r="http://schemas.openxmlformats.org/officeDocument/2006/relationships" xmlns:p="http://schemas.openxmlformats.org/presentationml/2006/main">
+  <p:cSld>
+    <p:spTree>
+      <p:nvGrpSpPr>
+        <p:cNvPr id="1" name=""/>
+        <p:cNvGrpSpPr/>
+        <p:nvPr/>
+      </p:nvGrpSpPr>
+      <p:grpSpPr>
+        <a:xfrm>
+          <a:off x="0" y="0"/>
+          <a:ext cx="0" cy="0"/>
+          <a:chOff x="0" y="0"/>
+          <a:chExt cx="0" cy="0"/>
+        </a:xfrm>
+      </p:grpSpPr>
+      <p:pic>
+        <p:nvPicPr>
+          <p:cNvPr id="2" name="Picture 1"/>
+          <p:cNvPicPr>
+            <a:picLocks noChangeAspect="1"/>
+          </p:cNvPicPr>
+          <p:nvPr/>
+        </p:nvPicPr>
+        <p:blipFill>
+          <a:blip r:embed="rId2"/>
+          <a:stretch>
+            <a:fillRect/>
+          </a:stretch>
+        </p:blipFill>
+        <p:spPr>
+          <a:xfrm>
+            <a:off x="2146558" y="315884"/>
+            <a:ext cx="7616251" cy="5809327"/>
+          </a:xfrm>
+          <a:prstGeom prst="rect">
+            <a:avLst/>
+          </a:prstGeom>
+        </p:spPr>
+      </p:pic>
+    </p:spTree>
+    <p:extLst>
+      <p:ext uri="{BB962C8B-B14F-4D97-AF65-F5344CB8AC3E}">
+        <p14:creationId xmlns:p14="http://schemas.microsoft.com/office/powerpoint/2010/main" val="2643473213"/>
+      </p:ext>
+    </p:extLst>
+  </p:cSld>
+  <p:clrMapOvr>
+    <a:masterClrMapping/>
+  </p:clrMapOvr>
+</p:sld>
+</file>
+
 <file path=ppt/slides/slide5.xml><?xml version="1.0" encoding="utf-8"?>
 <p:sld xmlns:a="http://schemas.openxmlformats.org/drawingml/2006/main" xmlns:r="http://schemas.openxmlformats.org/officeDocument/2006/relationships" xmlns:p="http://schemas.openxmlformats.org/presentationml/2006/main">
   <p:cSld>
